--- a/p04/A-frame-moving-geometric-objects.pptx
+++ b/p04/A-frame-moving-geometric-objects.pptx
@@ -218,7 +218,7 @@
           <a:p>
             <a:fld id="{FA1E3CD0-6E24-4AC0-945A-82AEC1490673}" type="datetimeFigureOut">
               <a:rPr lang="en-US" smtClean="0"/>
-              <a:t>10/18/2024</a:t>
+              <a:t>10/19/2024</a:t>
             </a:fld>
             <a:endParaRPr lang="en-US"/>
           </a:p>
@@ -700,7 +700,7 @@
           <a:p>
             <a:fld id="{846CE7D5-CF57-46EF-B807-FDD0502418D4}" type="datetimeFigureOut">
               <a:rPr lang="en-US" smtClean="0"/>
-              <a:t>10/18/2024</a:t>
+              <a:t>10/19/2024</a:t>
             </a:fld>
             <a:endParaRPr lang="en-US"/>
           </a:p>
@@ -870,7 +870,7 @@
           <a:p>
             <a:fld id="{846CE7D5-CF57-46EF-B807-FDD0502418D4}" type="datetimeFigureOut">
               <a:rPr lang="en-US" smtClean="0"/>
-              <a:t>10/18/2024</a:t>
+              <a:t>10/19/2024</a:t>
             </a:fld>
             <a:endParaRPr lang="en-US"/>
           </a:p>
@@ -1050,7 +1050,7 @@
           <a:p>
             <a:fld id="{846CE7D5-CF57-46EF-B807-FDD0502418D4}" type="datetimeFigureOut">
               <a:rPr lang="en-US" smtClean="0"/>
-              <a:t>10/18/2024</a:t>
+              <a:t>10/19/2024</a:t>
             </a:fld>
             <a:endParaRPr lang="en-US"/>
           </a:p>
@@ -1220,7 +1220,7 @@
           <a:p>
             <a:fld id="{846CE7D5-CF57-46EF-B807-FDD0502418D4}" type="datetimeFigureOut">
               <a:rPr lang="en-US" smtClean="0"/>
-              <a:t>10/18/2024</a:t>
+              <a:t>10/19/2024</a:t>
             </a:fld>
             <a:endParaRPr lang="en-US"/>
           </a:p>
@@ -1466,7 +1466,7 @@
           <a:p>
             <a:fld id="{846CE7D5-CF57-46EF-B807-FDD0502418D4}" type="datetimeFigureOut">
               <a:rPr lang="en-US" smtClean="0"/>
-              <a:t>10/18/2024</a:t>
+              <a:t>10/19/2024</a:t>
             </a:fld>
             <a:endParaRPr lang="en-US"/>
           </a:p>
@@ -1698,7 +1698,7 @@
           <a:p>
             <a:fld id="{846CE7D5-CF57-46EF-B807-FDD0502418D4}" type="datetimeFigureOut">
               <a:rPr lang="en-US" smtClean="0"/>
-              <a:t>10/18/2024</a:t>
+              <a:t>10/19/2024</a:t>
             </a:fld>
             <a:endParaRPr lang="en-US"/>
           </a:p>
@@ -2065,7 +2065,7 @@
           <a:p>
             <a:fld id="{846CE7D5-CF57-46EF-B807-FDD0502418D4}" type="datetimeFigureOut">
               <a:rPr lang="en-US" smtClean="0"/>
-              <a:t>10/18/2024</a:t>
+              <a:t>10/19/2024</a:t>
             </a:fld>
             <a:endParaRPr lang="en-US"/>
           </a:p>
@@ -2183,7 +2183,7 @@
           <a:p>
             <a:fld id="{846CE7D5-CF57-46EF-B807-FDD0502418D4}" type="datetimeFigureOut">
               <a:rPr lang="en-US" smtClean="0"/>
-              <a:t>10/18/2024</a:t>
+              <a:t>10/19/2024</a:t>
             </a:fld>
             <a:endParaRPr lang="en-US"/>
           </a:p>
@@ -2278,7 +2278,7 @@
           <a:p>
             <a:fld id="{846CE7D5-CF57-46EF-B807-FDD0502418D4}" type="datetimeFigureOut">
               <a:rPr lang="en-US" smtClean="0"/>
-              <a:t>10/18/2024</a:t>
+              <a:t>10/19/2024</a:t>
             </a:fld>
             <a:endParaRPr lang="en-US"/>
           </a:p>
@@ -2555,7 +2555,7 @@
           <a:p>
             <a:fld id="{846CE7D5-CF57-46EF-B807-FDD0502418D4}" type="datetimeFigureOut">
               <a:rPr lang="en-US" smtClean="0"/>
-              <a:t>10/18/2024</a:t>
+              <a:t>10/19/2024</a:t>
             </a:fld>
             <a:endParaRPr lang="en-US"/>
           </a:p>
@@ -2812,7 +2812,7 @@
           <a:p>
             <a:fld id="{846CE7D5-CF57-46EF-B807-FDD0502418D4}" type="datetimeFigureOut">
               <a:rPr lang="en-US" smtClean="0"/>
-              <a:t>10/18/2024</a:t>
+              <a:t>10/19/2024</a:t>
             </a:fld>
             <a:endParaRPr lang="en-US"/>
           </a:p>
@@ -3025,7 +3025,7 @@
           <a:p>
             <a:fld id="{846CE7D5-CF57-46EF-B807-FDD0502418D4}" type="datetimeFigureOut">
               <a:rPr lang="en-US" smtClean="0"/>
-              <a:t>10/18/2024</a:t>
+              <a:t>10/19/2024</a:t>
             </a:fld>
             <a:endParaRPr lang="en-US"/>
           </a:p>

--- a/p04/A-frame-moving-geometric-objects.pptx
+++ b/p04/A-frame-moving-geometric-objects.pptx
@@ -8486,7 +8486,19 @@
             </a:pPr>
             <a:r>
               <a:rPr lang="en-US" dirty="0"/>
-              <a:t>&lt;a-box  id="PGB box" position="0 2 -2.5" rotation="45 45 45" 		color="green"</a:t>
+              <a:t>&lt;a-box  id="PGB box" position="0 2 -2.5" </a:t>
+            </a:r>
+            <a:r>
+              <a:rPr lang="en-US" u="sng" dirty="0">
+                <a:solidFill>
+                  <a:schemeClr val="accent6"/>
+                </a:solidFill>
+              </a:rPr>
+              <a:t>rotation</a:t>
+            </a:r>
+            <a:r>
+              <a:rPr lang="en-US" dirty="0"/>
+              <a:t>="45 45 45" 		color="green"</a:t>
             </a:r>
           </a:p>
           <a:p>
@@ -8503,7 +8515,23 @@
                   <a:srgbClr val="0070C0"/>
                 </a:solidFill>
               </a:rPr>
-              <a:t>'property: rotation;   </a:t>
+              <a:t>'property: </a:t>
+            </a:r>
+            <a:r>
+              <a:rPr lang="en-US" u="sng" dirty="0">
+                <a:solidFill>
+                  <a:schemeClr val="accent6"/>
+                </a:solidFill>
+              </a:rPr>
+              <a:t>rotation</a:t>
+            </a:r>
+            <a:r>
+              <a:rPr lang="en-US" dirty="0">
+                <a:solidFill>
+                  <a:srgbClr val="0070C0"/>
+                </a:solidFill>
+              </a:rPr>
+              <a:t>;         </a:t>
             </a:r>
             <a:r>
               <a:rPr lang="en-US" dirty="0">
@@ -8511,7 +8539,7 @@
                   <a:srgbClr val="FF0000"/>
                 </a:solidFill>
               </a:rPr>
-              <a:t>position = translations</a:t>
+              <a:t>position…</a:t>
             </a:r>
           </a:p>
           <a:p>
@@ -8600,7 +8628,15 @@
                   <a:srgbClr val="0070C0"/>
                 </a:solidFill>
               </a:rPr>
-              <a:t>			easing: linear; </a:t>
+              <a:t>			easing: linear;   </a:t>
+            </a:r>
+            <a:r>
+              <a:rPr lang="en-US" dirty="0">
+                <a:solidFill>
+                  <a:srgbClr val="FF0000"/>
+                </a:solidFill>
+              </a:rPr>
+              <a:t>between runs</a:t>
             </a:r>
           </a:p>
           <a:p>

--- a/p04/A-frame-moving-geometric-objects.pptx
+++ b/p04/A-frame-moving-geometric-objects.pptx
@@ -5,7 +5,7 @@
     <p:sldMasterId id="2147483660" r:id="rId1"/>
   </p:sldMasterIdLst>
   <p:notesMasterIdLst>
-    <p:notesMasterId r:id="rId16"/>
+    <p:notesMasterId r:id="rId19"/>
   </p:notesMasterIdLst>
   <p:sldIdLst>
     <p:sldId id="297" r:id="rId2"/>
@@ -13,15 +13,18 @@
     <p:sldId id="277" r:id="rId4"/>
     <p:sldId id="290" r:id="rId5"/>
     <p:sldId id="272" r:id="rId6"/>
-    <p:sldId id="291" r:id="rId7"/>
-    <p:sldId id="292" r:id="rId8"/>
-    <p:sldId id="285" r:id="rId9"/>
-    <p:sldId id="286" r:id="rId10"/>
-    <p:sldId id="295" r:id="rId11"/>
-    <p:sldId id="288" r:id="rId12"/>
-    <p:sldId id="287" r:id="rId13"/>
-    <p:sldId id="284" r:id="rId14"/>
-    <p:sldId id="293" r:id="rId15"/>
+    <p:sldId id="300" r:id="rId7"/>
+    <p:sldId id="291" r:id="rId8"/>
+    <p:sldId id="292" r:id="rId9"/>
+    <p:sldId id="285" r:id="rId10"/>
+    <p:sldId id="298" r:id="rId11"/>
+    <p:sldId id="286" r:id="rId12"/>
+    <p:sldId id="295" r:id="rId13"/>
+    <p:sldId id="288" r:id="rId14"/>
+    <p:sldId id="287" r:id="rId15"/>
+    <p:sldId id="299" r:id="rId16"/>
+    <p:sldId id="284" r:id="rId17"/>
+    <p:sldId id="293" r:id="rId18"/>
   </p:sldIdLst>
   <p:sldSz cx="12192000" cy="6858000"/>
   <p:notesSz cx="7019925" cy="9305925"/>
@@ -218,7 +221,7 @@
           <a:p>
             <a:fld id="{FA1E3CD0-6E24-4AC0-945A-82AEC1490673}" type="datetimeFigureOut">
               <a:rPr lang="en-US" smtClean="0"/>
-              <a:t>10/19/2024</a:t>
+              <a:t>10/26/2024</a:t>
             </a:fld>
             <a:endParaRPr lang="en-US"/>
           </a:p>
@@ -700,7 +703,7 @@
           <a:p>
             <a:fld id="{846CE7D5-CF57-46EF-B807-FDD0502418D4}" type="datetimeFigureOut">
               <a:rPr lang="en-US" smtClean="0"/>
-              <a:t>10/19/2024</a:t>
+              <a:t>10/26/2024</a:t>
             </a:fld>
             <a:endParaRPr lang="en-US"/>
           </a:p>
@@ -870,7 +873,7 @@
           <a:p>
             <a:fld id="{846CE7D5-CF57-46EF-B807-FDD0502418D4}" type="datetimeFigureOut">
               <a:rPr lang="en-US" smtClean="0"/>
-              <a:t>10/19/2024</a:t>
+              <a:t>10/26/2024</a:t>
             </a:fld>
             <a:endParaRPr lang="en-US"/>
           </a:p>
@@ -1050,7 +1053,7 @@
           <a:p>
             <a:fld id="{846CE7D5-CF57-46EF-B807-FDD0502418D4}" type="datetimeFigureOut">
               <a:rPr lang="en-US" smtClean="0"/>
-              <a:t>10/19/2024</a:t>
+              <a:t>10/26/2024</a:t>
             </a:fld>
             <a:endParaRPr lang="en-US"/>
           </a:p>
@@ -1220,7 +1223,7 @@
           <a:p>
             <a:fld id="{846CE7D5-CF57-46EF-B807-FDD0502418D4}" type="datetimeFigureOut">
               <a:rPr lang="en-US" smtClean="0"/>
-              <a:t>10/19/2024</a:t>
+              <a:t>10/26/2024</a:t>
             </a:fld>
             <a:endParaRPr lang="en-US"/>
           </a:p>
@@ -1466,7 +1469,7 @@
           <a:p>
             <a:fld id="{846CE7D5-CF57-46EF-B807-FDD0502418D4}" type="datetimeFigureOut">
               <a:rPr lang="en-US" smtClean="0"/>
-              <a:t>10/19/2024</a:t>
+              <a:t>10/26/2024</a:t>
             </a:fld>
             <a:endParaRPr lang="en-US"/>
           </a:p>
@@ -1698,7 +1701,7 @@
           <a:p>
             <a:fld id="{846CE7D5-CF57-46EF-B807-FDD0502418D4}" type="datetimeFigureOut">
               <a:rPr lang="en-US" smtClean="0"/>
-              <a:t>10/19/2024</a:t>
+              <a:t>10/26/2024</a:t>
             </a:fld>
             <a:endParaRPr lang="en-US"/>
           </a:p>
@@ -2065,7 +2068,7 @@
           <a:p>
             <a:fld id="{846CE7D5-CF57-46EF-B807-FDD0502418D4}" type="datetimeFigureOut">
               <a:rPr lang="en-US" smtClean="0"/>
-              <a:t>10/19/2024</a:t>
+              <a:t>10/26/2024</a:t>
             </a:fld>
             <a:endParaRPr lang="en-US"/>
           </a:p>
@@ -2183,7 +2186,7 @@
           <a:p>
             <a:fld id="{846CE7D5-CF57-46EF-B807-FDD0502418D4}" type="datetimeFigureOut">
               <a:rPr lang="en-US" smtClean="0"/>
-              <a:t>10/19/2024</a:t>
+              <a:t>10/26/2024</a:t>
             </a:fld>
             <a:endParaRPr lang="en-US"/>
           </a:p>
@@ -2278,7 +2281,7 @@
           <a:p>
             <a:fld id="{846CE7D5-CF57-46EF-B807-FDD0502418D4}" type="datetimeFigureOut">
               <a:rPr lang="en-US" smtClean="0"/>
-              <a:t>10/19/2024</a:t>
+              <a:t>10/26/2024</a:t>
             </a:fld>
             <a:endParaRPr lang="en-US"/>
           </a:p>
@@ -2555,7 +2558,7 @@
           <a:p>
             <a:fld id="{846CE7D5-CF57-46EF-B807-FDD0502418D4}" type="datetimeFigureOut">
               <a:rPr lang="en-US" smtClean="0"/>
-              <a:t>10/19/2024</a:t>
+              <a:t>10/26/2024</a:t>
             </a:fld>
             <a:endParaRPr lang="en-US"/>
           </a:p>
@@ -2812,7 +2815,7 @@
           <a:p>
             <a:fld id="{846CE7D5-CF57-46EF-B807-FDD0502418D4}" type="datetimeFigureOut">
               <a:rPr lang="en-US" smtClean="0"/>
-              <a:t>10/19/2024</a:t>
+              <a:t>10/26/2024</a:t>
             </a:fld>
             <a:endParaRPr lang="en-US"/>
           </a:p>
@@ -3025,7 +3028,7 @@
           <a:p>
             <a:fld id="{846CE7D5-CF57-46EF-B807-FDD0502418D4}" type="datetimeFigureOut">
               <a:rPr lang="en-US" smtClean="0"/>
-              <a:t>10/19/2024</a:t>
+              <a:t>10/26/2024</a:t>
             </a:fld>
             <a:endParaRPr lang="en-US"/>
           </a:p>
@@ -4715,7 +4718,13 @@
   <p:cSld>
     <p:spTree>
       <p:nvGrpSpPr>
-        <p:cNvPr id="1" name=""/>
+        <p:cNvPr id="1" name="">
+          <a:extLst>
+            <a:ext uri="{FF2B5EF4-FFF2-40B4-BE49-F238E27FC236}">
+              <a16:creationId xmlns:a16="http://schemas.microsoft.com/office/drawing/2014/main" id="{F9116D41-77F3-19FD-5F6B-9B84E1EAB584}"/>
+            </a:ext>
+          </a:extLst>
+        </p:cNvPr>
         <p:cNvGrpSpPr/>
         <p:nvPr/>
       </p:nvGrpSpPr>
@@ -4732,7 +4741,7 @@
           <p:cNvPr id="2" name="Title 1">
             <a:extLst>
               <a:ext uri="{FF2B5EF4-FFF2-40B4-BE49-F238E27FC236}">
-                <a16:creationId xmlns:a16="http://schemas.microsoft.com/office/drawing/2014/main" id="{9E641B35-771B-8ADD-F244-DFCE655EFEBA}"/>
+                <a16:creationId xmlns:a16="http://schemas.microsoft.com/office/drawing/2014/main" id="{8ACC49B6-79FC-ECA1-88E5-AFD5F5EF4120}"/>
               </a:ext>
             </a:extLst>
           </p:cNvPr>
@@ -4749,9 +4758,26 @@
           <a:lstStyle/>
           <a:p>
             <a:r>
-              <a:rPr lang="en-US" dirty="0"/>
-              <a:t>How to create orbits?</a:t>
-            </a:r>
+              <a:rPr lang="en-US" dirty="0">
+                <a:solidFill>
+                  <a:srgbClr val="0070C0"/>
+                </a:solidFill>
+              </a:rPr>
+              <a:t>A-box </a:t>
+            </a:r>
+            <a:r>
+              <a:rPr lang="en-US" dirty="0">
+                <a:solidFill>
+                  <a:srgbClr val="FF0000"/>
+                </a:solidFill>
+              </a:rPr>
+              <a:t>dynamic rotation</a:t>
+            </a:r>
+            <a:endParaRPr lang="en-US" dirty="0">
+              <a:solidFill>
+                <a:srgbClr val="0070C0"/>
+              </a:solidFill>
+            </a:endParaRPr>
           </a:p>
         </p:txBody>
       </p:sp>
@@ -4760,7 +4786,7 @@
           <p:cNvPr id="3" name="Content Placeholder 2">
             <a:extLst>
               <a:ext uri="{FF2B5EF4-FFF2-40B4-BE49-F238E27FC236}">
-                <a16:creationId xmlns:a16="http://schemas.microsoft.com/office/drawing/2014/main" id="{323656BC-447B-286E-FB03-A06C20F852E0}"/>
+                <a16:creationId xmlns:a16="http://schemas.microsoft.com/office/drawing/2014/main" id="{C8EEF49E-D3AB-5AC3-734B-215D98920828}"/>
               </a:ext>
             </a:extLst>
           </p:cNvPr>
@@ -4771,17 +4797,110 @@
             <p:ph idx="1"/>
           </p:nvPr>
         </p:nvSpPr>
-        <p:spPr/>
+        <p:spPr>
+          <a:xfrm>
+            <a:off x="709411" y="1869969"/>
+            <a:ext cx="10515600" cy="4351338"/>
+          </a:xfrm>
+        </p:spPr>
         <p:txBody>
           <a:bodyPr/>
           <a:lstStyle/>
+          <a:p>
+            <a:pPr marL="0" indent="0">
+              <a:buNone/>
+            </a:pPr>
+            <a:r>
+              <a:rPr lang="en-US" dirty="0"/>
+              <a:t>animation=   </a:t>
+            </a:r>
+            <a:r>
+              <a:rPr lang="en-US" dirty="0">
+                <a:solidFill>
+                  <a:srgbClr val="0070C0"/>
+                </a:solidFill>
+              </a:rPr>
+              <a:t>“property: rotation; </a:t>
+            </a:r>
+          </a:p>
+          <a:p>
+            <a:pPr marL="0" indent="0">
+              <a:buNone/>
+            </a:pPr>
+            <a:r>
+              <a:rPr lang="en-US" dirty="0">
+                <a:solidFill>
+                  <a:srgbClr val="0070C0"/>
+                </a:solidFill>
+              </a:rPr>
+              <a:t>	dur: 10000; </a:t>
+            </a:r>
+          </a:p>
+          <a:p>
+            <a:pPr marL="0" indent="0">
+              <a:buNone/>
+            </a:pPr>
+            <a:r>
+              <a:rPr lang="en-US" dirty="0">
+                <a:solidFill>
+                  <a:srgbClr val="0070C0"/>
+                </a:solidFill>
+              </a:rPr>
+              <a:t>	from: 0 </a:t>
+            </a:r>
+            <a:r>
+              <a:rPr lang="en-US" dirty="0">
+                <a:solidFill>
+                  <a:srgbClr val="FF0000"/>
+                </a:solidFill>
+              </a:rPr>
+              <a:t>0</a:t>
+            </a:r>
+            <a:r>
+              <a:rPr lang="en-US" dirty="0">
+                <a:solidFill>
+                  <a:srgbClr val="0070C0"/>
+                </a:solidFill>
+              </a:rPr>
+              <a:t> 0; </a:t>
+            </a:r>
+          </a:p>
+          <a:p>
+            <a:pPr marL="0" indent="0">
+              <a:buNone/>
+            </a:pPr>
+            <a:r>
+              <a:rPr lang="en-US" dirty="0">
+                <a:solidFill>
+                  <a:srgbClr val="0070C0"/>
+                </a:solidFill>
+              </a:rPr>
+              <a:t>	to: 0 </a:t>
+            </a:r>
+            <a:r>
+              <a:rPr lang="en-US" dirty="0">
+                <a:solidFill>
+                  <a:srgbClr val="FF0000"/>
+                </a:solidFill>
+              </a:rPr>
+              <a:t>360</a:t>
+            </a:r>
+            <a:r>
+              <a:rPr lang="en-US" dirty="0">
+                <a:solidFill>
+                  <a:srgbClr val="0070C0"/>
+                </a:solidFill>
+              </a:rPr>
+              <a:t> 0;   </a:t>
+            </a:r>
+          </a:p>
           <a:p>
             <a:pPr marL="0" indent="0">
               <a:buNone/>
             </a:pPr>
             <a:endParaRPr lang="en-US" dirty="0">
               <a:solidFill>
-                <a:srgbClr val="0070C0"/>
+                <a:srgbClr val="FF0000"/>
               </a:solidFill>
             </a:endParaRPr>
           </a:p>
@@ -4792,10 +4911,26 @@
             <a:r>
               <a:rPr lang="en-US" dirty="0">
                 <a:solidFill>
-                  <a:srgbClr val="0070C0"/>
-                </a:solidFill>
-              </a:rPr>
-              <a:t>a-sphere-mars-spin-narrow.html</a:t>
+                  <a:srgbClr val="FF0000"/>
+                </a:solidFill>
+              </a:rPr>
+              <a:t>rotates </a:t>
+            </a:r>
+            <a:r>
+              <a:rPr lang="en-US" b="1" dirty="0">
+                <a:solidFill>
+                  <a:srgbClr val="FF0000"/>
+                </a:solidFill>
+              </a:rPr>
+              <a:t>around</a:t>
+            </a:r>
+            <a:r>
+              <a:rPr lang="en-US" dirty="0">
+                <a:solidFill>
+                  <a:srgbClr val="FF0000"/>
+                </a:solidFill>
+              </a:rPr>
+              <a:t> the y-axis</a:t>
             </a:r>
           </a:p>
           <a:p>
@@ -4804,43 +4939,570 @@
             </a:pPr>
             <a:endParaRPr lang="en-US" dirty="0"/>
           </a:p>
-          <a:p>
-            <a:pPr marL="0" indent="0">
-              <a:buNone/>
-            </a:pPr>
-            <a:endParaRPr lang="en-US" dirty="0"/>
-          </a:p>
-          <a:p>
-            <a:pPr marL="0" indent="0">
-              <a:buNone/>
-            </a:pPr>
-            <a:r>
-              <a:rPr lang="en-US" dirty="0">
-                <a:solidFill>
-                  <a:srgbClr val="0070C0"/>
-                </a:solidFill>
-              </a:rPr>
-              <a:t>a-sphere-mars-spin-wide.html</a:t>
-            </a:r>
-          </a:p>
-          <a:p>
-            <a:pPr marL="0" indent="0">
-              <a:buNone/>
-            </a:pPr>
-            <a:endParaRPr lang="en-US" dirty="0"/>
-          </a:p>
-          <a:p>
-            <a:pPr marL="0" indent="0">
-              <a:buNone/>
-            </a:pPr>
-            <a:endParaRPr lang="en-US" dirty="0"/>
+        </p:txBody>
+      </p:sp>
+      <p:cxnSp>
+        <p:nvCxnSpPr>
+          <p:cNvPr id="5" name="Straight Connector 4">
+            <a:extLst>
+              <a:ext uri="{FF2B5EF4-FFF2-40B4-BE49-F238E27FC236}">
+                <a16:creationId xmlns:a16="http://schemas.microsoft.com/office/drawing/2014/main" id="{172F3220-EC73-5D30-6C54-E224A5512EEC}"/>
+              </a:ext>
+            </a:extLst>
+          </p:cNvPr>
+          <p:cNvCxnSpPr/>
+          <p:nvPr/>
+        </p:nvCxnSpPr>
+        <p:spPr>
+          <a:xfrm>
+            <a:off x="5737123" y="4173794"/>
+            <a:ext cx="5235677" cy="0"/>
+          </a:xfrm>
+          <a:prstGeom prst="line">
+            <a:avLst/>
+          </a:prstGeom>
+          <a:ln w="28575">
+            <a:solidFill>
+              <a:srgbClr val="002060"/>
+            </a:solidFill>
+          </a:ln>
+        </p:spPr>
+        <p:style>
+          <a:lnRef idx="3">
+            <a:schemeClr val="dk1"/>
+          </a:lnRef>
+          <a:fillRef idx="0">
+            <a:schemeClr val="dk1"/>
+          </a:fillRef>
+          <a:effectRef idx="2">
+            <a:schemeClr val="dk1"/>
+          </a:effectRef>
+          <a:fontRef idx="minor">
+            <a:schemeClr val="tx1"/>
+          </a:fontRef>
+        </p:style>
+      </p:cxnSp>
+      <p:cxnSp>
+        <p:nvCxnSpPr>
+          <p:cNvPr id="6" name="Straight Connector 5">
+            <a:extLst>
+              <a:ext uri="{FF2B5EF4-FFF2-40B4-BE49-F238E27FC236}">
+                <a16:creationId xmlns:a16="http://schemas.microsoft.com/office/drawing/2014/main" id="{A097EC39-712F-F014-D18B-C3493C4B1278}"/>
+              </a:ext>
+            </a:extLst>
+          </p:cNvPr>
+          <p:cNvCxnSpPr>
+            <a:cxnSpLocks/>
+          </p:cNvCxnSpPr>
+          <p:nvPr/>
+        </p:nvCxnSpPr>
+        <p:spPr>
+          <a:xfrm flipV="1">
+            <a:off x="8072284" y="1386348"/>
+            <a:ext cx="0" cy="4645742"/>
+          </a:xfrm>
+          <a:prstGeom prst="line">
+            <a:avLst/>
+          </a:prstGeom>
+          <a:ln w="28575">
+            <a:solidFill>
+              <a:srgbClr val="FF0000"/>
+            </a:solidFill>
+          </a:ln>
+        </p:spPr>
+        <p:style>
+          <a:lnRef idx="3">
+            <a:schemeClr val="dk1"/>
+          </a:lnRef>
+          <a:fillRef idx="0">
+            <a:schemeClr val="dk1"/>
+          </a:fillRef>
+          <a:effectRef idx="2">
+            <a:schemeClr val="dk1"/>
+          </a:effectRef>
+          <a:fontRef idx="minor">
+            <a:schemeClr val="tx1"/>
+          </a:fontRef>
+        </p:style>
+      </p:cxnSp>
+      <mc:AlternateContent xmlns:mc="http://schemas.openxmlformats.org/markup-compatibility/2006" xmlns:a14="http://schemas.microsoft.com/office/drawing/2010/main">
+        <mc:Choice Requires="a14">
+          <p:sp>
+            <p:nvSpPr>
+              <p:cNvPr id="10" name="TextBox 9">
+                <a:extLst>
+                  <a:ext uri="{FF2B5EF4-FFF2-40B4-BE49-F238E27FC236}">
+                    <a16:creationId xmlns:a16="http://schemas.microsoft.com/office/drawing/2014/main" id="{B42305FA-F815-8162-FEFB-8FFEE9FBC0E0}"/>
+                  </a:ext>
+                </a:extLst>
+              </p:cNvPr>
+              <p:cNvSpPr txBox="1"/>
+              <p:nvPr/>
+            </p:nvSpPr>
+            <p:spPr>
+              <a:xfrm>
+                <a:off x="5737123" y="4173794"/>
+                <a:ext cx="363433" cy="553998"/>
+              </a:xfrm>
+              <a:prstGeom prst="rect">
+                <a:avLst/>
+              </a:prstGeom>
+              <a:noFill/>
+            </p:spPr>
+            <p:txBody>
+              <a:bodyPr wrap="none" lIns="0" tIns="0" rIns="0" bIns="0" rtlCol="0">
+                <a:spAutoFit/>
+              </a:bodyPr>
+              <a:lstStyle/>
+              <a:p>
+                <a:pPr/>
+                <a14:m>
+                  <m:oMathPara xmlns:m="http://schemas.openxmlformats.org/officeDocument/2006/math">
+                    <m:oMathParaPr>
+                      <m:jc m:val="centerGroup"/>
+                    </m:oMathParaPr>
+                    <m:oMath xmlns:m="http://schemas.openxmlformats.org/officeDocument/2006/math">
+                      <m:r>
+                        <a:rPr lang="en-US" sz="3600" b="0" i="1" smtClean="0">
+                          <a:latin typeface="Cambria Math" panose="02040503050406030204" pitchFamily="18" charset="0"/>
+                        </a:rPr>
+                        <m:t>𝑥</m:t>
+                      </m:r>
+                    </m:oMath>
+                  </m:oMathPara>
+                </a14:m>
+                <a:endParaRPr lang="en-US" sz="3600" dirty="0"/>
+              </a:p>
+            </p:txBody>
+          </p:sp>
+        </mc:Choice>
+        <mc:Fallback xmlns="">
+          <p:sp>
+            <p:nvSpPr>
+              <p:cNvPr id="10" name="TextBox 9">
+                <a:extLst>
+                  <a:ext uri="{FF2B5EF4-FFF2-40B4-BE49-F238E27FC236}">
+                    <a16:creationId xmlns:a16="http://schemas.microsoft.com/office/drawing/2014/main" id="{E229FBFB-D69A-9818-26F8-34A6DA38789E}"/>
+                  </a:ext>
+                </a:extLst>
+              </p:cNvPr>
+              <p:cNvSpPr txBox="1">
+                <a:spLocks noRot="1" noChangeAspect="1" noMove="1" noResize="1" noEditPoints="1" noAdjustHandles="1" noChangeArrowheads="1" noChangeShapeType="1" noTextEdit="1"/>
+              </p:cNvSpPr>
+              <p:nvPr/>
+            </p:nvSpPr>
+            <p:spPr>
+              <a:xfrm>
+                <a:off x="5737123" y="4173794"/>
+                <a:ext cx="363433" cy="553998"/>
+              </a:xfrm>
+              <a:prstGeom prst="rect">
+                <a:avLst/>
+              </a:prstGeom>
+              <a:blipFill>
+                <a:blip r:embed="rId2"/>
+                <a:stretch>
+                  <a:fillRect/>
+                </a:stretch>
+              </a:blipFill>
+            </p:spPr>
+            <p:txBody>
+              <a:bodyPr/>
+              <a:lstStyle/>
+              <a:p>
+                <a:r>
+                  <a:rPr lang="en-US">
+                    <a:noFill/>
+                  </a:rPr>
+                  <a:t> </a:t>
+                </a:r>
+              </a:p>
+            </p:txBody>
+          </p:sp>
+        </mc:Fallback>
+      </mc:AlternateContent>
+      <mc:AlternateContent xmlns:mc="http://schemas.openxmlformats.org/markup-compatibility/2006" xmlns:a14="http://schemas.microsoft.com/office/drawing/2010/main">
+        <mc:Choice Requires="a14">
+          <p:sp>
+            <p:nvSpPr>
+              <p:cNvPr id="11" name="TextBox 10">
+                <a:extLst>
+                  <a:ext uri="{FF2B5EF4-FFF2-40B4-BE49-F238E27FC236}">
+                    <a16:creationId xmlns:a16="http://schemas.microsoft.com/office/drawing/2014/main" id="{560DFBA5-ED3D-2BA8-F59D-3DD4F8CB1F84}"/>
+                  </a:ext>
+                </a:extLst>
+              </p:cNvPr>
+              <p:cNvSpPr txBox="1"/>
+              <p:nvPr/>
+            </p:nvSpPr>
+            <p:spPr>
+              <a:xfrm>
+                <a:off x="8173244" y="1204159"/>
+                <a:ext cx="370166" cy="553998"/>
+              </a:xfrm>
+              <a:prstGeom prst="rect">
+                <a:avLst/>
+              </a:prstGeom>
+              <a:noFill/>
+            </p:spPr>
+            <p:txBody>
+              <a:bodyPr wrap="none" lIns="0" tIns="0" rIns="0" bIns="0" rtlCol="0">
+                <a:spAutoFit/>
+              </a:bodyPr>
+              <a:lstStyle/>
+              <a:p>
+                <a:pPr/>
+                <a14:m>
+                  <m:oMathPara xmlns:m="http://schemas.openxmlformats.org/officeDocument/2006/math">
+                    <m:oMathParaPr>
+                      <m:jc m:val="centerGroup"/>
+                    </m:oMathParaPr>
+                    <m:oMath xmlns:m="http://schemas.openxmlformats.org/officeDocument/2006/math">
+                      <m:r>
+                        <a:rPr lang="en-US" sz="3600" b="0" i="1" smtClean="0">
+                          <a:latin typeface="Cambria Math" panose="02040503050406030204" pitchFamily="18" charset="0"/>
+                        </a:rPr>
+                        <m:t>𝑦</m:t>
+                      </m:r>
+                    </m:oMath>
+                  </m:oMathPara>
+                </a14:m>
+                <a:endParaRPr lang="en-US" sz="3600" dirty="0"/>
+              </a:p>
+            </p:txBody>
+          </p:sp>
+        </mc:Choice>
+        <mc:Fallback xmlns="">
+          <p:sp>
+            <p:nvSpPr>
+              <p:cNvPr id="11" name="TextBox 10">
+                <a:extLst>
+                  <a:ext uri="{FF2B5EF4-FFF2-40B4-BE49-F238E27FC236}">
+                    <a16:creationId xmlns:a16="http://schemas.microsoft.com/office/drawing/2014/main" id="{B91ADA6B-D81C-BDEB-0938-AC8D42022DFC}"/>
+                  </a:ext>
+                </a:extLst>
+              </p:cNvPr>
+              <p:cNvSpPr txBox="1">
+                <a:spLocks noRot="1" noChangeAspect="1" noMove="1" noResize="1" noEditPoints="1" noAdjustHandles="1" noChangeArrowheads="1" noChangeShapeType="1" noTextEdit="1"/>
+              </p:cNvSpPr>
+              <p:nvPr/>
+            </p:nvSpPr>
+            <p:spPr>
+              <a:xfrm>
+                <a:off x="8173244" y="1204159"/>
+                <a:ext cx="370166" cy="553998"/>
+              </a:xfrm>
+              <a:prstGeom prst="rect">
+                <a:avLst/>
+              </a:prstGeom>
+              <a:blipFill>
+                <a:blip r:embed="rId3"/>
+                <a:stretch>
+                  <a:fillRect/>
+                </a:stretch>
+              </a:blipFill>
+            </p:spPr>
+            <p:txBody>
+              <a:bodyPr/>
+              <a:lstStyle/>
+              <a:p>
+                <a:r>
+                  <a:rPr lang="en-US">
+                    <a:noFill/>
+                  </a:rPr>
+                  <a:t> </a:t>
+                </a:r>
+              </a:p>
+            </p:txBody>
+          </p:sp>
+        </mc:Fallback>
+      </mc:AlternateContent>
+      <p:cxnSp>
+        <p:nvCxnSpPr>
+          <p:cNvPr id="13" name="Straight Connector 12">
+            <a:extLst>
+              <a:ext uri="{FF2B5EF4-FFF2-40B4-BE49-F238E27FC236}">
+                <a16:creationId xmlns:a16="http://schemas.microsoft.com/office/drawing/2014/main" id="{F051EA5C-2301-6FA1-2817-3A09A5B78F9F}"/>
+              </a:ext>
+            </a:extLst>
+          </p:cNvPr>
+          <p:cNvCxnSpPr>
+            <a:cxnSpLocks/>
+          </p:cNvCxnSpPr>
+          <p:nvPr/>
+        </p:nvCxnSpPr>
+        <p:spPr>
+          <a:xfrm flipV="1">
+            <a:off x="6533535" y="4173794"/>
+            <a:ext cx="1538749" cy="926050"/>
+          </a:xfrm>
+          <a:prstGeom prst="line">
+            <a:avLst/>
+          </a:prstGeom>
+          <a:ln w="28575">
+            <a:solidFill>
+              <a:srgbClr val="002060"/>
+            </a:solidFill>
+          </a:ln>
+        </p:spPr>
+        <p:style>
+          <a:lnRef idx="1">
+            <a:schemeClr val="accent1"/>
+          </a:lnRef>
+          <a:fillRef idx="0">
+            <a:schemeClr val="accent1"/>
+          </a:fillRef>
+          <a:effectRef idx="0">
+            <a:schemeClr val="accent1"/>
+          </a:effectRef>
+          <a:fontRef idx="minor">
+            <a:schemeClr val="tx1"/>
+          </a:fontRef>
+        </p:style>
+      </p:cxnSp>
+      <p:cxnSp>
+        <p:nvCxnSpPr>
+          <p:cNvPr id="15" name="Straight Connector 14">
+            <a:extLst>
+              <a:ext uri="{FF2B5EF4-FFF2-40B4-BE49-F238E27FC236}">
+                <a16:creationId xmlns:a16="http://schemas.microsoft.com/office/drawing/2014/main" id="{A82A8651-D3DA-08C4-4EB3-CDF94A8B02B9}"/>
+              </a:ext>
+            </a:extLst>
+          </p:cNvPr>
+          <p:cNvCxnSpPr>
+            <a:cxnSpLocks/>
+          </p:cNvCxnSpPr>
+          <p:nvPr/>
+        </p:nvCxnSpPr>
+        <p:spPr>
+          <a:xfrm flipV="1">
+            <a:off x="8072284" y="2779380"/>
+            <a:ext cx="2335162" cy="1382150"/>
+          </a:xfrm>
+          <a:prstGeom prst="line">
+            <a:avLst/>
+          </a:prstGeom>
+          <a:ln w="28575">
+            <a:solidFill>
+              <a:srgbClr val="002060"/>
+            </a:solidFill>
+            <a:prstDash val="dash"/>
+          </a:ln>
+        </p:spPr>
+        <p:style>
+          <a:lnRef idx="1">
+            <a:schemeClr val="accent1"/>
+          </a:lnRef>
+          <a:fillRef idx="0">
+            <a:schemeClr val="accent1"/>
+          </a:fillRef>
+          <a:effectRef idx="0">
+            <a:schemeClr val="accent1"/>
+          </a:effectRef>
+          <a:fontRef idx="minor">
+            <a:schemeClr val="tx1"/>
+          </a:fontRef>
+        </p:style>
+      </p:cxnSp>
+      <mc:AlternateContent xmlns:mc="http://schemas.openxmlformats.org/markup-compatibility/2006" xmlns:a14="http://schemas.microsoft.com/office/drawing/2010/main">
+        <mc:Choice Requires="a14">
+          <p:sp>
+            <p:nvSpPr>
+              <p:cNvPr id="18" name="TextBox 17">
+                <a:extLst>
+                  <a:ext uri="{FF2B5EF4-FFF2-40B4-BE49-F238E27FC236}">
+                    <a16:creationId xmlns:a16="http://schemas.microsoft.com/office/drawing/2014/main" id="{C9BA2B6C-9DFE-32F4-9447-B47CF3D557EA}"/>
+                  </a:ext>
+                </a:extLst>
+              </p:cNvPr>
+              <p:cNvSpPr txBox="1"/>
+              <p:nvPr/>
+            </p:nvSpPr>
+            <p:spPr>
+              <a:xfrm>
+                <a:off x="10510457" y="2415273"/>
+                <a:ext cx="334899" cy="553998"/>
+              </a:xfrm>
+              <a:prstGeom prst="rect">
+                <a:avLst/>
+              </a:prstGeom>
+              <a:noFill/>
+            </p:spPr>
+            <p:txBody>
+              <a:bodyPr wrap="none" lIns="0" tIns="0" rIns="0" bIns="0" rtlCol="0">
+                <a:spAutoFit/>
+              </a:bodyPr>
+              <a:lstStyle/>
+              <a:p>
+                <a:pPr/>
+                <a14:m>
+                  <m:oMathPara xmlns:m="http://schemas.openxmlformats.org/officeDocument/2006/math">
+                    <m:oMathParaPr>
+                      <m:jc m:val="centerGroup"/>
+                    </m:oMathParaPr>
+                    <m:oMath xmlns:m="http://schemas.openxmlformats.org/officeDocument/2006/math">
+                      <m:r>
+                        <a:rPr lang="en-US" sz="3600" b="0" i="1" smtClean="0">
+                          <a:solidFill>
+                            <a:srgbClr val="0070C0"/>
+                          </a:solidFill>
+                          <a:latin typeface="Cambria Math" panose="02040503050406030204" pitchFamily="18" charset="0"/>
+                        </a:rPr>
+                        <m:t>𝑧</m:t>
+                      </m:r>
+                    </m:oMath>
+                  </m:oMathPara>
+                </a14:m>
+                <a:endParaRPr lang="en-US" sz="3600" dirty="0">
+                  <a:solidFill>
+                    <a:srgbClr val="0070C0"/>
+                  </a:solidFill>
+                </a:endParaRPr>
+              </a:p>
+            </p:txBody>
+          </p:sp>
+        </mc:Choice>
+        <mc:Fallback xmlns="">
+          <p:sp>
+            <p:nvSpPr>
+              <p:cNvPr id="18" name="TextBox 17">
+                <a:extLst>
+                  <a:ext uri="{FF2B5EF4-FFF2-40B4-BE49-F238E27FC236}">
+                    <a16:creationId xmlns:a16="http://schemas.microsoft.com/office/drawing/2014/main" id="{7795477F-76DA-F555-BB1C-A7B72C19EDFB}"/>
+                  </a:ext>
+                </a:extLst>
+              </p:cNvPr>
+              <p:cNvSpPr txBox="1">
+                <a:spLocks noRot="1" noChangeAspect="1" noMove="1" noResize="1" noEditPoints="1" noAdjustHandles="1" noChangeArrowheads="1" noChangeShapeType="1" noTextEdit="1"/>
+              </p:cNvSpPr>
+              <p:nvPr/>
+            </p:nvSpPr>
+            <p:spPr>
+              <a:xfrm>
+                <a:off x="10510457" y="2415273"/>
+                <a:ext cx="334899" cy="553998"/>
+              </a:xfrm>
+              <a:prstGeom prst="rect">
+                <a:avLst/>
+              </a:prstGeom>
+              <a:blipFill>
+                <a:blip r:embed="rId4"/>
+                <a:stretch>
+                  <a:fillRect/>
+                </a:stretch>
+              </a:blipFill>
+            </p:spPr>
+            <p:txBody>
+              <a:bodyPr/>
+              <a:lstStyle/>
+              <a:p>
+                <a:r>
+                  <a:rPr lang="en-US">
+                    <a:noFill/>
+                  </a:rPr>
+                  <a:t> </a:t>
+                </a:r>
+              </a:p>
+            </p:txBody>
+          </p:sp>
+        </mc:Fallback>
+      </mc:AlternateContent>
+      <p:pic>
+        <p:nvPicPr>
+          <p:cNvPr id="4" name="Graphic 3" descr="Cube outline">
+            <a:extLst>
+              <a:ext uri="{FF2B5EF4-FFF2-40B4-BE49-F238E27FC236}">
+                <a16:creationId xmlns:a16="http://schemas.microsoft.com/office/drawing/2014/main" id="{04FBF8B1-0A6F-58E2-9CCF-46E086C1797E}"/>
+              </a:ext>
+            </a:extLst>
+          </p:cNvPr>
+          <p:cNvPicPr>
+            <a:picLocks noChangeAspect="1"/>
+          </p:cNvPicPr>
+          <p:nvPr/>
+        </p:nvPicPr>
+        <p:blipFill>
+          <a:blip r:embed="rId5">
+            <a:extLst>
+              <a:ext uri="{28A0092B-C50C-407E-A947-70E740481C1C}">
+                <a14:useLocalDpi xmlns:a14="http://schemas.microsoft.com/office/drawing/2010/main" val="0"/>
+              </a:ext>
+              <a:ext uri="{96DAC541-7B7A-43D3-8B79-37D633B846F1}">
+                <asvg:svgBlip xmlns:asvg="http://schemas.microsoft.com/office/drawing/2016/SVG/main" r:embed="rId6"/>
+              </a:ext>
+            </a:extLst>
+          </a:blip>
+          <a:stretch>
+            <a:fillRect/>
+          </a:stretch>
+        </p:blipFill>
+        <p:spPr>
+          <a:xfrm>
+            <a:off x="6776576" y="2054871"/>
+            <a:ext cx="914400" cy="914400"/>
+          </a:xfrm>
+          <a:prstGeom prst="rect">
+            <a:avLst/>
+          </a:prstGeom>
+        </p:spPr>
+      </p:pic>
+      <p:sp>
+        <p:nvSpPr>
+          <p:cNvPr id="7" name="Arrow: Curved Right 6">
+            <a:extLst>
+              <a:ext uri="{FF2B5EF4-FFF2-40B4-BE49-F238E27FC236}">
+                <a16:creationId xmlns:a16="http://schemas.microsoft.com/office/drawing/2014/main" id="{8F74151E-8DB8-4CF2-7706-784B0AF284F4}"/>
+              </a:ext>
+            </a:extLst>
+          </p:cNvPr>
+          <p:cNvSpPr/>
+          <p:nvPr/>
+        </p:nvSpPr>
+        <p:spPr>
+          <a:xfrm>
+            <a:off x="6736412" y="2972872"/>
+            <a:ext cx="742682" cy="456127"/>
+          </a:xfrm>
+          <a:prstGeom prst="curvedRightArrow">
+            <a:avLst/>
+          </a:prstGeom>
+          <a:solidFill>
+            <a:srgbClr val="FF0000"/>
+          </a:solidFill>
+        </p:spPr>
+        <p:style>
+          <a:lnRef idx="2">
+            <a:schemeClr val="accent1">
+              <a:shade val="15000"/>
+            </a:schemeClr>
+          </a:lnRef>
+          <a:fillRef idx="1">
+            <a:schemeClr val="accent1"/>
+          </a:fillRef>
+          <a:effectRef idx="0">
+            <a:schemeClr val="accent1"/>
+          </a:effectRef>
+          <a:fontRef idx="minor">
+            <a:schemeClr val="lt1"/>
+          </a:fontRef>
+        </p:style>
+        <p:txBody>
+          <a:bodyPr rtlCol="0" anchor="ctr"/>
+          <a:lstStyle/>
+          <a:p>
+            <a:pPr algn="ctr"/>
+            <a:endParaRPr lang="en-US">
+              <a:solidFill>
+                <a:schemeClr val="tx1"/>
+              </a:solidFill>
+            </a:endParaRPr>
           </a:p>
         </p:txBody>
       </p:sp>
     </p:spTree>
     <p:extLst>
       <p:ext uri="{BB962C8B-B14F-4D97-AF65-F5344CB8AC3E}">
-        <p14:creationId xmlns:p14="http://schemas.microsoft.com/office/powerpoint/2010/main" val="3045575239"/>
+        <p14:creationId xmlns:p14="http://schemas.microsoft.com/office/powerpoint/2010/main" val="4181880806"/>
       </p:ext>
     </p:extLst>
   </p:cSld>
@@ -4872,7 +5534,7 @@
           <p:cNvPr id="2" name="Title 1">
             <a:extLst>
               <a:ext uri="{FF2B5EF4-FFF2-40B4-BE49-F238E27FC236}">
-                <a16:creationId xmlns:a16="http://schemas.microsoft.com/office/drawing/2014/main" id="{24E52D3D-C042-F227-F593-6828804FD0A2}"/>
+                <a16:creationId xmlns:a16="http://schemas.microsoft.com/office/drawing/2014/main" id="{BF683C0E-F1D1-D452-BFA8-E610F142133D}"/>
               </a:ext>
             </a:extLst>
           </p:cNvPr>
@@ -4890,412 +5552,220 @@
           <a:p>
             <a:r>
               <a:rPr lang="en-US" dirty="0"/>
-              <a:t>Orbits</a:t>
-            </a:r>
-          </a:p>
-        </p:txBody>
-      </p:sp>
-      <p:sp>
-        <p:nvSpPr>
-          <p:cNvPr id="4" name="Circle: Hollow 3">
+              <a:t>Basic animation – </a:t>
+            </a:r>
+            <a:r>
+              <a:rPr lang="en-US" dirty="0">
+                <a:solidFill>
+                  <a:srgbClr val="FF0000"/>
+                </a:solidFill>
+              </a:rPr>
+              <a:t>rotation in place</a:t>
+            </a:r>
+          </a:p>
+        </p:txBody>
+      </p:sp>
+      <p:sp>
+        <p:nvSpPr>
+          <p:cNvPr id="3" name="Content Placeholder 2">
             <a:extLst>
               <a:ext uri="{FF2B5EF4-FFF2-40B4-BE49-F238E27FC236}">
-                <a16:creationId xmlns:a16="http://schemas.microsoft.com/office/drawing/2014/main" id="{19A69335-6979-6268-65E8-7283DFE81F6D}"/>
+                <a16:creationId xmlns:a16="http://schemas.microsoft.com/office/drawing/2014/main" id="{46C64423-B4D1-72CD-ECD8-65DCC4821DFC}"/>
               </a:ext>
             </a:extLst>
           </p:cNvPr>
-          <p:cNvSpPr/>
-          <p:nvPr/>
-        </p:nvSpPr>
-        <p:spPr>
-          <a:xfrm>
-            <a:off x="6676338" y="1398767"/>
-            <a:ext cx="3949522" cy="4155583"/>
-          </a:xfrm>
-          <a:prstGeom prst="donut">
-            <a:avLst/>
-          </a:prstGeom>
-        </p:spPr>
-        <p:style>
-          <a:lnRef idx="2">
-            <a:schemeClr val="accent1">
-              <a:shade val="15000"/>
-            </a:schemeClr>
-          </a:lnRef>
-          <a:fillRef idx="1">
-            <a:schemeClr val="accent1"/>
-          </a:fillRef>
-          <a:effectRef idx="0">
-            <a:schemeClr val="accent1"/>
-          </a:effectRef>
-          <a:fontRef idx="minor">
-            <a:schemeClr val="lt1"/>
-          </a:fontRef>
-        </p:style>
-        <p:txBody>
-          <a:bodyPr rtlCol="0" anchor="ctr"/>
-          <a:lstStyle/>
-          <a:p>
-            <a:pPr algn="ctr"/>
-            <a:endParaRPr lang="en-US">
-              <a:solidFill>
-                <a:schemeClr val="tx1"/>
-              </a:solidFill>
-            </a:endParaRPr>
-          </a:p>
-        </p:txBody>
-      </p:sp>
-      <p:sp>
-        <p:nvSpPr>
-          <p:cNvPr id="5" name="TextBox 4">
-            <a:extLst>
-              <a:ext uri="{FF2B5EF4-FFF2-40B4-BE49-F238E27FC236}">
-                <a16:creationId xmlns:a16="http://schemas.microsoft.com/office/drawing/2014/main" id="{0DE74A7D-0C8F-C53E-2953-75C6463ABAD2}"/>
-              </a:ext>
-            </a:extLst>
-          </p:cNvPr>
-          <p:cNvSpPr txBox="1"/>
-          <p:nvPr/>
-        </p:nvSpPr>
-        <p:spPr>
-          <a:xfrm>
-            <a:off x="8290263" y="3346291"/>
-            <a:ext cx="721672" cy="369332"/>
-          </a:xfrm>
-          <a:prstGeom prst="rect">
-            <a:avLst/>
-          </a:prstGeom>
-          <a:noFill/>
-        </p:spPr>
-        <p:txBody>
-          <a:bodyPr wrap="none" rtlCol="0">
-            <a:spAutoFit/>
+          <p:cNvSpPr>
+            <a:spLocks noGrp="1"/>
+          </p:cNvSpPr>
+          <p:nvPr>
+            <p:ph idx="1"/>
+          </p:nvPr>
+        </p:nvSpPr>
+        <p:spPr/>
+        <p:txBody>
+          <a:bodyPr>
+            <a:normAutofit fontScale="92500" lnSpcReduction="10000"/>
           </a:bodyPr>
           <a:lstStyle/>
           <a:p>
-            <a:r>
-              <a:rPr lang="en-US" b="1" dirty="0">
-                <a:solidFill>
-                  <a:srgbClr val="7030A0"/>
-                </a:solidFill>
-              </a:rPr>
-              <a:t>0,0,-5</a:t>
-            </a:r>
-          </a:p>
-        </p:txBody>
-      </p:sp>
-      <p:sp>
-        <p:nvSpPr>
-          <p:cNvPr id="6" name="TextBox 5">
-            <a:extLst>
-              <a:ext uri="{FF2B5EF4-FFF2-40B4-BE49-F238E27FC236}">
-                <a16:creationId xmlns:a16="http://schemas.microsoft.com/office/drawing/2014/main" id="{C5800AB0-5032-A007-A5A4-2E7D47962D34}"/>
-              </a:ext>
-            </a:extLst>
-          </p:cNvPr>
-          <p:cNvSpPr txBox="1"/>
-          <p:nvPr/>
-        </p:nvSpPr>
-        <p:spPr>
-          <a:xfrm>
-            <a:off x="10109621" y="1828731"/>
-            <a:ext cx="1760418" cy="369332"/>
-          </a:xfrm>
-          <a:prstGeom prst="rect">
-            <a:avLst/>
-          </a:prstGeom>
-          <a:noFill/>
-        </p:spPr>
-        <p:txBody>
-          <a:bodyPr wrap="none" rtlCol="0">
-            <a:spAutoFit/>
-          </a:bodyPr>
-          <a:lstStyle/>
-          <a:p>
+            <a:pPr marL="0" indent="0">
+              <a:buNone/>
+            </a:pPr>
             <a:r>
               <a:rPr lang="en-US" dirty="0"/>
-              <a:t>0,0,-5 </a:t>
+              <a:t>&lt;a-box  id="PGB box" position="0 2 -2.5" </a:t>
+            </a:r>
+            <a:r>
+              <a:rPr lang="en-US" u="sng" dirty="0">
+                <a:solidFill>
+                  <a:schemeClr val="accent6"/>
+                </a:solidFill>
+              </a:rPr>
+              <a:t>rotation</a:t>
+            </a:r>
+            <a:r>
+              <a:rPr lang="en-US" dirty="0"/>
+              <a:t>="45 45 45" 		color="green"</a:t>
+            </a:r>
+          </a:p>
+          <a:p>
+            <a:pPr marL="0" indent="0">
+              <a:buNone/>
+            </a:pPr>
+            <a:r>
+              <a:rPr lang="en-US" dirty="0"/>
+              <a:t>	animation=   </a:t>
             </a:r>
             <a:r>
               <a:rPr lang="en-US" dirty="0">
-                <a:sym typeface="Wingdings" panose="05000000000000000000" pitchFamily="2" charset="2"/>
-              </a:rPr>
-              <a:t> 0,0, </a:t>
-            </a:r>
-            <a:r>
-              <a:rPr lang="en-US" b="1" dirty="0">
+                <a:solidFill>
+                  <a:srgbClr val="0070C0"/>
+                </a:solidFill>
+              </a:rPr>
+              <a:t>'property: </a:t>
+            </a:r>
+            <a:r>
+              <a:rPr lang="en-US" u="sng" dirty="0">
+                <a:solidFill>
+                  <a:schemeClr val="accent6"/>
+                </a:solidFill>
+              </a:rPr>
+              <a:t>rotation</a:t>
+            </a:r>
+            <a:r>
+              <a:rPr lang="en-US" dirty="0">
+                <a:solidFill>
+                  <a:srgbClr val="0070C0"/>
+                </a:solidFill>
+              </a:rPr>
+              <a:t>;         </a:t>
+            </a:r>
+            <a:r>
+              <a:rPr lang="en-US" dirty="0">
                 <a:solidFill>
                   <a:srgbClr val="FF0000"/>
                 </a:solidFill>
-                <a:sym typeface="Wingdings" panose="05000000000000000000" pitchFamily="2" charset="2"/>
-              </a:rPr>
-              <a:t>-10</a:t>
-            </a:r>
-            <a:endParaRPr lang="en-US" b="1" dirty="0">
-              <a:solidFill>
-                <a:srgbClr val="FF0000"/>
-              </a:solidFill>
-            </a:endParaRPr>
-          </a:p>
-        </p:txBody>
-      </p:sp>
-      <p:sp>
-        <p:nvSpPr>
-          <p:cNvPr id="7" name="TextBox 6">
-            <a:extLst>
-              <a:ext uri="{FF2B5EF4-FFF2-40B4-BE49-F238E27FC236}">
-                <a16:creationId xmlns:a16="http://schemas.microsoft.com/office/drawing/2014/main" id="{AFD16555-D539-9165-8DC2-F180982EBB06}"/>
-              </a:ext>
-            </a:extLst>
-          </p:cNvPr>
-          <p:cNvSpPr txBox="1"/>
-          <p:nvPr/>
-        </p:nvSpPr>
-        <p:spPr>
-          <a:xfrm>
-            <a:off x="9255048" y="2919813"/>
-            <a:ext cx="1643399" cy="369332"/>
-          </a:xfrm>
-          <a:prstGeom prst="rect">
-            <a:avLst/>
-          </a:prstGeom>
-          <a:solidFill>
-            <a:schemeClr val="accent1">
-              <a:lumMod val="40000"/>
-              <a:lumOff val="60000"/>
-            </a:schemeClr>
-          </a:solidFill>
-        </p:spPr>
-        <p:txBody>
-          <a:bodyPr wrap="none" rtlCol="0">
-            <a:spAutoFit/>
-          </a:bodyPr>
-          <a:lstStyle/>
-          <a:p>
+              </a:rPr>
+              <a:t>position…</a:t>
+            </a:r>
+          </a:p>
+          <a:p>
+            <a:pPr marL="0" indent="0">
+              <a:buNone/>
+            </a:pPr>
+            <a:r>
+              <a:rPr lang="en-US" dirty="0">
+                <a:solidFill>
+                  <a:srgbClr val="0070C0"/>
+                </a:solidFill>
+              </a:rPr>
+              <a:t>			dur: 10000;    </a:t>
+            </a:r>
+            <a:r>
+              <a:rPr lang="en-US" dirty="0">
+                <a:solidFill>
+                  <a:srgbClr val="FF0000"/>
+                </a:solidFill>
+              </a:rPr>
+              <a:t>entire transform in 10,000 milliseconds </a:t>
+            </a:r>
+          </a:p>
+          <a:p>
+            <a:pPr marL="0" indent="0">
+              <a:buNone/>
+            </a:pPr>
+            <a:r>
+              <a:rPr lang="en-US" dirty="0">
+                <a:solidFill>
+                  <a:srgbClr val="0070C0"/>
+                </a:solidFill>
+              </a:rPr>
+              <a:t>			from: 0 0 0; </a:t>
+            </a:r>
+          </a:p>
+          <a:p>
+            <a:pPr marL="0" indent="0">
+              <a:buNone/>
+            </a:pPr>
+            <a:r>
+              <a:rPr lang="en-US" dirty="0">
+                <a:solidFill>
+                  <a:srgbClr val="0070C0"/>
+                </a:solidFill>
+              </a:rPr>
+              <a:t>			to: 0 360 0; </a:t>
+            </a:r>
+          </a:p>
+          <a:p>
+            <a:pPr marL="0" indent="0">
+              <a:buNone/>
+            </a:pPr>
+            <a:r>
+              <a:rPr lang="en-US" dirty="0">
+                <a:solidFill>
+                  <a:srgbClr val="0070C0"/>
+                </a:solidFill>
+              </a:rPr>
+              <a:t>			</a:t>
+            </a:r>
+            <a:r>
+              <a:rPr lang="en-US" dirty="0" err="1">
+                <a:solidFill>
+                  <a:srgbClr val="0070C0"/>
+                </a:solidFill>
+              </a:rPr>
+              <a:t>dir</a:t>
+            </a:r>
+            <a:r>
+              <a:rPr lang="en-US" dirty="0">
+                <a:solidFill>
+                  <a:srgbClr val="0070C0"/>
+                </a:solidFill>
+              </a:rPr>
+              <a:t>: normal;    </a:t>
+            </a:r>
+          </a:p>
+          <a:p>
+            <a:pPr marL="0" indent="0">
+              <a:buNone/>
+            </a:pPr>
+            <a:r>
+              <a:rPr lang="en-US" dirty="0">
+                <a:solidFill>
+                  <a:srgbClr val="0070C0"/>
+                </a:solidFill>
+              </a:rPr>
+              <a:t>			easing: linear;   </a:t>
+            </a:r>
+            <a:r>
+              <a:rPr lang="en-US" dirty="0">
+                <a:solidFill>
+                  <a:srgbClr val="FF0000"/>
+                </a:solidFill>
+              </a:rPr>
+              <a:t>between runs</a:t>
+            </a:r>
+          </a:p>
+          <a:p>
+            <a:pPr marL="0" indent="0">
+              <a:buNone/>
+            </a:pPr>
+            <a:r>
+              <a:rPr lang="en-US" dirty="0">
+                <a:solidFill>
+                  <a:srgbClr val="0070C0"/>
+                </a:solidFill>
+              </a:rPr>
+              <a:t>			loop: true;'</a:t>
+            </a:r>
+          </a:p>
+          <a:p>
+            <a:pPr marL="0" indent="0">
+              <a:buNone/>
+            </a:pPr>
             <a:r>
               <a:rPr lang="en-US" dirty="0"/>
-              <a:t>0,0,-2 </a:t>
-            </a:r>
-            <a:r>
-              <a:rPr lang="en-US" dirty="0">
-                <a:sym typeface="Wingdings" panose="05000000000000000000" pitchFamily="2" charset="2"/>
-              </a:rPr>
-              <a:t> 0,0, </a:t>
-            </a:r>
-            <a:r>
-              <a:rPr lang="en-US" b="1" dirty="0">
-                <a:solidFill>
-                  <a:srgbClr val="FF0000"/>
-                </a:solidFill>
-                <a:sym typeface="Wingdings" panose="05000000000000000000" pitchFamily="2" charset="2"/>
-              </a:rPr>
-              <a:t>-7</a:t>
-            </a:r>
-            <a:endParaRPr lang="en-US" b="1" dirty="0">
-              <a:solidFill>
-                <a:srgbClr val="FF0000"/>
-              </a:solidFill>
-            </a:endParaRPr>
-          </a:p>
-        </p:txBody>
-      </p:sp>
-      <p:sp>
-        <p:nvSpPr>
-          <p:cNvPr id="9" name="TextBox 8">
-            <a:extLst>
-              <a:ext uri="{FF2B5EF4-FFF2-40B4-BE49-F238E27FC236}">
-                <a16:creationId xmlns:a16="http://schemas.microsoft.com/office/drawing/2014/main" id="{9A1D111A-3840-390A-6274-795575564DEC}"/>
-              </a:ext>
-            </a:extLst>
-          </p:cNvPr>
-          <p:cNvSpPr txBox="1"/>
-          <p:nvPr/>
-        </p:nvSpPr>
-        <p:spPr>
-          <a:xfrm>
-            <a:off x="434378" y="2099796"/>
-            <a:ext cx="6096000" cy="3139321"/>
-          </a:xfrm>
-          <a:prstGeom prst="rect">
-            <a:avLst/>
-          </a:prstGeom>
-          <a:noFill/>
-        </p:spPr>
-        <p:txBody>
-          <a:bodyPr wrap="square">
-            <a:spAutoFit/>
-          </a:bodyPr>
-          <a:lstStyle/>
-          <a:p>
-            <a:r>
-              <a:rPr lang="en-US" dirty="0"/>
-              <a:t>&lt;a-assets&gt;</a:t>
-            </a:r>
-          </a:p>
-          <a:p>
-            <a:r>
-              <a:rPr lang="en-US" dirty="0"/>
-              <a:t>   &lt;</a:t>
-            </a:r>
-            <a:r>
-              <a:rPr lang="en-US" dirty="0" err="1"/>
-              <a:t>img</a:t>
-            </a:r>
-            <a:r>
-              <a:rPr lang="en-US" dirty="0"/>
-              <a:t> id="mars" </a:t>
-            </a:r>
-            <a:r>
-              <a:rPr lang="en-US" dirty="0" err="1"/>
-              <a:t>src</a:t>
-            </a:r>
-            <a:r>
-              <a:rPr lang="en-US" dirty="0"/>
-              <a:t>="./IMAGES/mars-</a:t>
-            </a:r>
-            <a:r>
-              <a:rPr lang="en-US" dirty="0" err="1"/>
-              <a:t>surface.avif</a:t>
-            </a:r>
-            <a:r>
-              <a:rPr lang="en-US" dirty="0"/>
-              <a:t>“&gt;</a:t>
-            </a:r>
-          </a:p>
-          <a:p>
-            <a:r>
-              <a:rPr lang="en-US" dirty="0"/>
-              <a:t>&lt;/a-assets&gt;</a:t>
-            </a:r>
-          </a:p>
-          <a:p>
-            <a:r>
-              <a:rPr lang="en-US" dirty="0"/>
-              <a:t>&lt;</a:t>
-            </a:r>
-            <a:r>
-              <a:rPr lang="en-US" b="1" dirty="0"/>
-              <a:t>a-entity</a:t>
-            </a:r>
-            <a:r>
-              <a:rPr lang="en-US" dirty="0"/>
-              <a:t> position="</a:t>
-            </a:r>
-            <a:r>
-              <a:rPr lang="en-US" b="1" dirty="0">
-                <a:solidFill>
-                  <a:srgbClr val="7030A0"/>
-                </a:solidFill>
-              </a:rPr>
-              <a:t>0 0 -5</a:t>
-            </a:r>
-            <a:r>
-              <a:rPr lang="en-US" dirty="0"/>
-              <a:t>" </a:t>
-            </a:r>
-          </a:p>
-          <a:p>
-            <a:r>
-              <a:rPr lang="en-US" dirty="0"/>
-              <a:t>	animation="property: rotation; </a:t>
-            </a:r>
-          </a:p>
-          <a:p>
-            <a:r>
-              <a:rPr lang="en-US" dirty="0"/>
-              <a:t>	to: 0 360 0; </a:t>
-            </a:r>
-          </a:p>
-          <a:p>
-            <a:r>
-              <a:rPr lang="en-US" dirty="0"/>
-              <a:t>	loop: true; dur:10000 "&gt;</a:t>
-            </a:r>
-          </a:p>
-          <a:p>
-            <a:r>
-              <a:rPr lang="en-US" dirty="0"/>
-              <a:t>	</a:t>
-            </a:r>
-            <a:r>
-              <a:rPr lang="en-US" dirty="0">
-                <a:solidFill>
-                  <a:schemeClr val="accent1"/>
-                </a:solidFill>
-              </a:rPr>
-              <a:t>&lt;a-sphere  id="</a:t>
-            </a:r>
-            <a:r>
-              <a:rPr lang="en-US" dirty="0" err="1">
-                <a:solidFill>
-                  <a:schemeClr val="accent1"/>
-                </a:solidFill>
-              </a:rPr>
-              <a:t>MySphere</a:t>
-            </a:r>
-            <a:r>
-              <a:rPr lang="en-US" dirty="0">
-                <a:solidFill>
-                  <a:schemeClr val="accent1"/>
-                </a:solidFill>
-              </a:rPr>
-              <a:t>" position="</a:t>
-            </a:r>
-            <a:r>
-              <a:rPr lang="en-US" dirty="0">
-                <a:solidFill>
-                  <a:srgbClr val="FF0000"/>
-                </a:solidFill>
-              </a:rPr>
-              <a:t>0 0 -2</a:t>
-            </a:r>
-            <a:r>
-              <a:rPr lang="en-US" dirty="0">
-                <a:solidFill>
-                  <a:schemeClr val="accent1"/>
-                </a:solidFill>
-              </a:rPr>
-              <a:t>" 			</a:t>
-            </a:r>
-            <a:r>
-              <a:rPr lang="en-US" dirty="0" err="1">
-                <a:solidFill>
-                  <a:schemeClr val="accent1"/>
-                </a:solidFill>
-              </a:rPr>
-              <a:t>src</a:t>
-            </a:r>
-            <a:r>
-              <a:rPr lang="en-US" dirty="0">
-                <a:solidFill>
-                  <a:schemeClr val="accent1"/>
-                </a:solidFill>
-              </a:rPr>
-              <a:t>="#mars" rotation="0 0 0" &gt;</a:t>
-            </a:r>
-          </a:p>
-          <a:p>
-            <a:r>
-              <a:rPr lang="en-US" dirty="0">
-                <a:solidFill>
-                  <a:schemeClr val="accent1"/>
-                </a:solidFill>
-              </a:rPr>
-              <a:t>	&lt;/a-sphere&gt;</a:t>
-            </a:r>
-          </a:p>
-          <a:p>
-            <a:r>
-              <a:rPr lang="en-US" dirty="0"/>
-              <a:t>&lt;/</a:t>
-            </a:r>
-            <a:r>
-              <a:rPr lang="en-US" b="1" dirty="0"/>
-              <a:t>a-entity</a:t>
-            </a:r>
-            <a:r>
-              <a:rPr lang="en-US" dirty="0"/>
-              <a:t>&gt;</a:t>
+              <a:t>	  &gt;&lt;/a-box&gt;</a:t>
             </a:r>
           </a:p>
         </p:txBody>
@@ -5303,7 +5773,7 @@
     </p:spTree>
     <p:extLst>
       <p:ext uri="{BB962C8B-B14F-4D97-AF65-F5344CB8AC3E}">
-        <p14:creationId xmlns:p14="http://schemas.microsoft.com/office/powerpoint/2010/main" val="2577524346"/>
+        <p14:creationId xmlns:p14="http://schemas.microsoft.com/office/powerpoint/2010/main" val="3890012711"/>
       </p:ext>
     </p:extLst>
   </p:cSld>
@@ -5335,7 +5805,7 @@
           <p:cNvPr id="2" name="Title 1">
             <a:extLst>
               <a:ext uri="{FF2B5EF4-FFF2-40B4-BE49-F238E27FC236}">
-                <a16:creationId xmlns:a16="http://schemas.microsoft.com/office/drawing/2014/main" id="{22515781-8429-1E12-D9BF-3F8F2FA6BD97}"/>
+                <a16:creationId xmlns:a16="http://schemas.microsoft.com/office/drawing/2014/main" id="{9E641B35-771B-8ADD-F244-DFCE655EFEBA}"/>
               </a:ext>
             </a:extLst>
           </p:cNvPr>
@@ -5353,115 +5823,97 @@
           <a:p>
             <a:r>
               <a:rPr lang="en-US" dirty="0"/>
-              <a:t>Several animations at the same time</a:t>
-            </a:r>
-          </a:p>
-        </p:txBody>
-      </p:sp>
-      <p:pic>
-        <p:nvPicPr>
-          <p:cNvPr id="5" name="Picture 4">
+              <a:t>How to create orbits?</a:t>
+            </a:r>
+          </a:p>
+        </p:txBody>
+      </p:sp>
+      <p:sp>
+        <p:nvSpPr>
+          <p:cNvPr id="3" name="Content Placeholder 2">
             <a:extLst>
               <a:ext uri="{FF2B5EF4-FFF2-40B4-BE49-F238E27FC236}">
-                <a16:creationId xmlns:a16="http://schemas.microsoft.com/office/drawing/2014/main" id="{F7CFBF85-284D-ECF5-B52C-B59112C445E8}"/>
+                <a16:creationId xmlns:a16="http://schemas.microsoft.com/office/drawing/2014/main" id="{323656BC-447B-286E-FB03-A06C20F852E0}"/>
               </a:ext>
             </a:extLst>
           </p:cNvPr>
-          <p:cNvPicPr>
-            <a:picLocks noChangeAspect="1"/>
-          </p:cNvPicPr>
-          <p:nvPr/>
-        </p:nvPicPr>
-        <p:blipFill>
-          <a:blip r:embed="rId2"/>
-          <a:stretch>
-            <a:fillRect/>
-          </a:stretch>
-        </p:blipFill>
-        <p:spPr>
-          <a:xfrm>
-            <a:off x="1750510" y="3324415"/>
-            <a:ext cx="8329565" cy="1106270"/>
-          </a:xfrm>
-          <a:prstGeom prst="rect">
-            <a:avLst/>
-          </a:prstGeom>
-        </p:spPr>
-      </p:pic>
-      <p:sp>
-        <p:nvSpPr>
-          <p:cNvPr id="3" name="TextBox 2">
-            <a:extLst>
-              <a:ext uri="{FF2B5EF4-FFF2-40B4-BE49-F238E27FC236}">
-                <a16:creationId xmlns:a16="http://schemas.microsoft.com/office/drawing/2014/main" id="{DB72B7D2-E2CC-4E59-9545-1D23114864EC}"/>
-              </a:ext>
-            </a:extLst>
-          </p:cNvPr>
-          <p:cNvSpPr txBox="1"/>
-          <p:nvPr/>
-        </p:nvSpPr>
-        <p:spPr>
-          <a:xfrm>
-            <a:off x="6946005" y="3139749"/>
-            <a:ext cx="570990" cy="369332"/>
-          </a:xfrm>
-          <a:prstGeom prst="rect">
-            <a:avLst/>
-          </a:prstGeom>
-          <a:noFill/>
-        </p:spPr>
-        <p:txBody>
-          <a:bodyPr wrap="none" rtlCol="0">
-            <a:spAutoFit/>
-          </a:bodyPr>
+          <p:cNvSpPr>
+            <a:spLocks noGrp="1"/>
+          </p:cNvSpPr>
+          <p:nvPr>
+            <p:ph idx="1"/>
+          </p:nvPr>
+        </p:nvSpPr>
+        <p:spPr/>
+        <p:txBody>
+          <a:bodyPr/>
           <a:lstStyle/>
           <a:p>
-            <a:r>
-              <a:rPr lang="en-US" dirty="0"/>
-              <a:t>spin</a:t>
-            </a:r>
-          </a:p>
-        </p:txBody>
-      </p:sp>
-      <p:sp>
-        <p:nvSpPr>
-          <p:cNvPr id="4" name="TextBox 3">
-            <a:extLst>
-              <a:ext uri="{FF2B5EF4-FFF2-40B4-BE49-F238E27FC236}">
-                <a16:creationId xmlns:a16="http://schemas.microsoft.com/office/drawing/2014/main" id="{24942BD9-C441-386E-6703-1AE52840C293}"/>
-              </a:ext>
-            </a:extLst>
-          </p:cNvPr>
-          <p:cNvSpPr txBox="1"/>
-          <p:nvPr/>
-        </p:nvSpPr>
-        <p:spPr>
-          <a:xfrm>
-            <a:off x="7347397" y="3429000"/>
-            <a:ext cx="1010469" cy="369332"/>
-          </a:xfrm>
-          <a:prstGeom prst="rect">
-            <a:avLst/>
-          </a:prstGeom>
-          <a:noFill/>
-        </p:spPr>
-        <p:txBody>
-          <a:bodyPr wrap="none" rtlCol="0">
-            <a:spAutoFit/>
-          </a:bodyPr>
-          <a:lstStyle/>
-          <a:p>
-            <a:r>
-              <a:rPr lang="en-US" dirty="0"/>
-              <a:t>translate</a:t>
-            </a:r>
+            <a:pPr marL="0" indent="0">
+              <a:buNone/>
+            </a:pPr>
+            <a:endParaRPr lang="en-US" dirty="0">
+              <a:solidFill>
+                <a:srgbClr val="0070C0"/>
+              </a:solidFill>
+            </a:endParaRPr>
+          </a:p>
+          <a:p>
+            <a:pPr marL="0" indent="0">
+              <a:buNone/>
+            </a:pPr>
+            <a:r>
+              <a:rPr lang="en-US" dirty="0">
+                <a:solidFill>
+                  <a:srgbClr val="0070C0"/>
+                </a:solidFill>
+              </a:rPr>
+              <a:t>a-sphere-mars-spin-narrow.html</a:t>
+            </a:r>
+          </a:p>
+          <a:p>
+            <a:pPr marL="0" indent="0">
+              <a:buNone/>
+            </a:pPr>
+            <a:endParaRPr lang="en-US" dirty="0"/>
+          </a:p>
+          <a:p>
+            <a:pPr marL="0" indent="0">
+              <a:buNone/>
+            </a:pPr>
+            <a:endParaRPr lang="en-US" dirty="0"/>
+          </a:p>
+          <a:p>
+            <a:pPr marL="0" indent="0">
+              <a:buNone/>
+            </a:pPr>
+            <a:r>
+              <a:rPr lang="en-US" dirty="0">
+                <a:solidFill>
+                  <a:srgbClr val="0070C0"/>
+                </a:solidFill>
+              </a:rPr>
+              <a:t>a-sphere-mars-spin-wide.html</a:t>
+            </a:r>
+          </a:p>
+          <a:p>
+            <a:pPr marL="0" indent="0">
+              <a:buNone/>
+            </a:pPr>
+            <a:endParaRPr lang="en-US" dirty="0"/>
+          </a:p>
+          <a:p>
+            <a:pPr marL="0" indent="0">
+              <a:buNone/>
+            </a:pPr>
+            <a:endParaRPr lang="en-US" dirty="0"/>
           </a:p>
         </p:txBody>
       </p:sp>
     </p:spTree>
     <p:extLst>
       <p:ext uri="{BB962C8B-B14F-4D97-AF65-F5344CB8AC3E}">
-        <p14:creationId xmlns:p14="http://schemas.microsoft.com/office/powerpoint/2010/main" val="2692866793"/>
+        <p14:creationId xmlns:p14="http://schemas.microsoft.com/office/powerpoint/2010/main" val="3045575239"/>
       </p:ext>
     </p:extLst>
   </p:cSld>
@@ -5493,6 +5945,815 @@
           <p:cNvPr id="2" name="Title 1">
             <a:extLst>
               <a:ext uri="{FF2B5EF4-FFF2-40B4-BE49-F238E27FC236}">
+                <a16:creationId xmlns:a16="http://schemas.microsoft.com/office/drawing/2014/main" id="{24E52D3D-C042-F227-F593-6828804FD0A2}"/>
+              </a:ext>
+            </a:extLst>
+          </p:cNvPr>
+          <p:cNvSpPr>
+            <a:spLocks noGrp="1"/>
+          </p:cNvSpPr>
+          <p:nvPr>
+            <p:ph type="title"/>
+          </p:nvPr>
+        </p:nvSpPr>
+        <p:spPr/>
+        <p:txBody>
+          <a:bodyPr/>
+          <a:lstStyle/>
+          <a:p>
+            <a:r>
+              <a:rPr lang="en-US" dirty="0"/>
+              <a:t>Orbits – frame of reference</a:t>
+            </a:r>
+          </a:p>
+        </p:txBody>
+      </p:sp>
+      <p:sp>
+        <p:nvSpPr>
+          <p:cNvPr id="4" name="Circle: Hollow 3">
+            <a:extLst>
+              <a:ext uri="{FF2B5EF4-FFF2-40B4-BE49-F238E27FC236}">
+                <a16:creationId xmlns:a16="http://schemas.microsoft.com/office/drawing/2014/main" id="{19A69335-6979-6268-65E8-7283DFE81F6D}"/>
+              </a:ext>
+            </a:extLst>
+          </p:cNvPr>
+          <p:cNvSpPr/>
+          <p:nvPr/>
+        </p:nvSpPr>
+        <p:spPr>
+          <a:xfrm>
+            <a:off x="6676338" y="1398767"/>
+            <a:ext cx="3949522" cy="4155583"/>
+          </a:xfrm>
+          <a:prstGeom prst="donut">
+            <a:avLst/>
+          </a:prstGeom>
+        </p:spPr>
+        <p:style>
+          <a:lnRef idx="2">
+            <a:schemeClr val="accent1">
+              <a:shade val="15000"/>
+            </a:schemeClr>
+          </a:lnRef>
+          <a:fillRef idx="1">
+            <a:schemeClr val="accent1"/>
+          </a:fillRef>
+          <a:effectRef idx="0">
+            <a:schemeClr val="accent1"/>
+          </a:effectRef>
+          <a:fontRef idx="minor">
+            <a:schemeClr val="lt1"/>
+          </a:fontRef>
+        </p:style>
+        <p:txBody>
+          <a:bodyPr rtlCol="0" anchor="ctr"/>
+          <a:lstStyle/>
+          <a:p>
+            <a:pPr algn="ctr"/>
+            <a:endParaRPr lang="en-US">
+              <a:solidFill>
+                <a:schemeClr val="tx1"/>
+              </a:solidFill>
+            </a:endParaRPr>
+          </a:p>
+        </p:txBody>
+      </p:sp>
+      <p:sp>
+        <p:nvSpPr>
+          <p:cNvPr id="5" name="TextBox 4">
+            <a:extLst>
+              <a:ext uri="{FF2B5EF4-FFF2-40B4-BE49-F238E27FC236}">
+                <a16:creationId xmlns:a16="http://schemas.microsoft.com/office/drawing/2014/main" id="{0DE74A7D-0C8F-C53E-2953-75C6463ABAD2}"/>
+              </a:ext>
+            </a:extLst>
+          </p:cNvPr>
+          <p:cNvSpPr txBox="1"/>
+          <p:nvPr/>
+        </p:nvSpPr>
+        <p:spPr>
+          <a:xfrm>
+            <a:off x="8290263" y="3346291"/>
+            <a:ext cx="721672" cy="369332"/>
+          </a:xfrm>
+          <a:prstGeom prst="rect">
+            <a:avLst/>
+          </a:prstGeom>
+          <a:noFill/>
+        </p:spPr>
+        <p:txBody>
+          <a:bodyPr wrap="none" rtlCol="0">
+            <a:spAutoFit/>
+          </a:bodyPr>
+          <a:lstStyle/>
+          <a:p>
+            <a:r>
+              <a:rPr lang="en-US" b="1" dirty="0">
+                <a:solidFill>
+                  <a:srgbClr val="7030A0"/>
+                </a:solidFill>
+              </a:rPr>
+              <a:t>0,0,-5</a:t>
+            </a:r>
+          </a:p>
+        </p:txBody>
+      </p:sp>
+      <p:sp>
+        <p:nvSpPr>
+          <p:cNvPr id="6" name="TextBox 5">
+            <a:extLst>
+              <a:ext uri="{FF2B5EF4-FFF2-40B4-BE49-F238E27FC236}">
+                <a16:creationId xmlns:a16="http://schemas.microsoft.com/office/drawing/2014/main" id="{C5800AB0-5032-A007-A5A4-2E7D47962D34}"/>
+              </a:ext>
+            </a:extLst>
+          </p:cNvPr>
+          <p:cNvSpPr txBox="1"/>
+          <p:nvPr/>
+        </p:nvSpPr>
+        <p:spPr>
+          <a:xfrm>
+            <a:off x="10109621" y="1828731"/>
+            <a:ext cx="1760418" cy="369332"/>
+          </a:xfrm>
+          <a:prstGeom prst="rect">
+            <a:avLst/>
+          </a:prstGeom>
+          <a:noFill/>
+        </p:spPr>
+        <p:txBody>
+          <a:bodyPr wrap="none" rtlCol="0">
+            <a:spAutoFit/>
+          </a:bodyPr>
+          <a:lstStyle/>
+          <a:p>
+            <a:r>
+              <a:rPr lang="en-US" dirty="0"/>
+              <a:t>0,0,-5 </a:t>
+            </a:r>
+            <a:r>
+              <a:rPr lang="en-US" dirty="0">
+                <a:sym typeface="Wingdings" panose="05000000000000000000" pitchFamily="2" charset="2"/>
+              </a:rPr>
+              <a:t> 0,0, </a:t>
+            </a:r>
+            <a:r>
+              <a:rPr lang="en-US" b="1" dirty="0">
+                <a:solidFill>
+                  <a:srgbClr val="FF0000"/>
+                </a:solidFill>
+                <a:sym typeface="Wingdings" panose="05000000000000000000" pitchFamily="2" charset="2"/>
+              </a:rPr>
+              <a:t>-10</a:t>
+            </a:r>
+            <a:endParaRPr lang="en-US" b="1" dirty="0">
+              <a:solidFill>
+                <a:srgbClr val="FF0000"/>
+              </a:solidFill>
+            </a:endParaRPr>
+          </a:p>
+        </p:txBody>
+      </p:sp>
+      <p:sp>
+        <p:nvSpPr>
+          <p:cNvPr id="7" name="TextBox 6">
+            <a:extLst>
+              <a:ext uri="{FF2B5EF4-FFF2-40B4-BE49-F238E27FC236}">
+                <a16:creationId xmlns:a16="http://schemas.microsoft.com/office/drawing/2014/main" id="{AFD16555-D539-9165-8DC2-F180982EBB06}"/>
+              </a:ext>
+            </a:extLst>
+          </p:cNvPr>
+          <p:cNvSpPr txBox="1"/>
+          <p:nvPr/>
+        </p:nvSpPr>
+        <p:spPr>
+          <a:xfrm>
+            <a:off x="9255048" y="2919813"/>
+            <a:ext cx="1643399" cy="369332"/>
+          </a:xfrm>
+          <a:prstGeom prst="rect">
+            <a:avLst/>
+          </a:prstGeom>
+          <a:solidFill>
+            <a:schemeClr val="accent1">
+              <a:lumMod val="40000"/>
+              <a:lumOff val="60000"/>
+            </a:schemeClr>
+          </a:solidFill>
+        </p:spPr>
+        <p:txBody>
+          <a:bodyPr wrap="none" rtlCol="0">
+            <a:spAutoFit/>
+          </a:bodyPr>
+          <a:lstStyle/>
+          <a:p>
+            <a:r>
+              <a:rPr lang="en-US" dirty="0"/>
+              <a:t>0,0,-2 </a:t>
+            </a:r>
+            <a:r>
+              <a:rPr lang="en-US" dirty="0">
+                <a:sym typeface="Wingdings" panose="05000000000000000000" pitchFamily="2" charset="2"/>
+              </a:rPr>
+              <a:t> 0,0, </a:t>
+            </a:r>
+            <a:r>
+              <a:rPr lang="en-US" b="1" dirty="0">
+                <a:solidFill>
+                  <a:srgbClr val="FF0000"/>
+                </a:solidFill>
+                <a:sym typeface="Wingdings" panose="05000000000000000000" pitchFamily="2" charset="2"/>
+              </a:rPr>
+              <a:t>-7</a:t>
+            </a:r>
+            <a:endParaRPr lang="en-US" b="1" dirty="0">
+              <a:solidFill>
+                <a:srgbClr val="FF0000"/>
+              </a:solidFill>
+            </a:endParaRPr>
+          </a:p>
+        </p:txBody>
+      </p:sp>
+      <p:sp>
+        <p:nvSpPr>
+          <p:cNvPr id="9" name="TextBox 8">
+            <a:extLst>
+              <a:ext uri="{FF2B5EF4-FFF2-40B4-BE49-F238E27FC236}">
+                <a16:creationId xmlns:a16="http://schemas.microsoft.com/office/drawing/2014/main" id="{9A1D111A-3840-390A-6274-795575564DEC}"/>
+              </a:ext>
+            </a:extLst>
+          </p:cNvPr>
+          <p:cNvSpPr txBox="1"/>
+          <p:nvPr/>
+        </p:nvSpPr>
+        <p:spPr>
+          <a:xfrm>
+            <a:off x="434378" y="2099796"/>
+            <a:ext cx="6096000" cy="3139321"/>
+          </a:xfrm>
+          <a:prstGeom prst="rect">
+            <a:avLst/>
+          </a:prstGeom>
+          <a:noFill/>
+        </p:spPr>
+        <p:txBody>
+          <a:bodyPr wrap="square">
+            <a:spAutoFit/>
+          </a:bodyPr>
+          <a:lstStyle/>
+          <a:p>
+            <a:r>
+              <a:rPr lang="en-US" dirty="0"/>
+              <a:t>&lt;a-assets&gt;</a:t>
+            </a:r>
+          </a:p>
+          <a:p>
+            <a:r>
+              <a:rPr lang="en-US" dirty="0"/>
+              <a:t>   &lt;</a:t>
+            </a:r>
+            <a:r>
+              <a:rPr lang="en-US" dirty="0" err="1"/>
+              <a:t>img</a:t>
+            </a:r>
+            <a:r>
+              <a:rPr lang="en-US" dirty="0"/>
+              <a:t> id="mars" </a:t>
+            </a:r>
+            <a:r>
+              <a:rPr lang="en-US" dirty="0" err="1"/>
+              <a:t>src</a:t>
+            </a:r>
+            <a:r>
+              <a:rPr lang="en-US" dirty="0"/>
+              <a:t>="./IMAGES/mars-</a:t>
+            </a:r>
+            <a:r>
+              <a:rPr lang="en-US" dirty="0" err="1"/>
+              <a:t>surface.avif</a:t>
+            </a:r>
+            <a:r>
+              <a:rPr lang="en-US" dirty="0"/>
+              <a:t>“&gt;</a:t>
+            </a:r>
+          </a:p>
+          <a:p>
+            <a:r>
+              <a:rPr lang="en-US" dirty="0"/>
+              <a:t>&lt;/a-assets&gt;</a:t>
+            </a:r>
+          </a:p>
+          <a:p>
+            <a:r>
+              <a:rPr lang="en-US" dirty="0"/>
+              <a:t>&lt;</a:t>
+            </a:r>
+            <a:r>
+              <a:rPr lang="en-US" b="1" dirty="0"/>
+              <a:t>a-entity</a:t>
+            </a:r>
+            <a:r>
+              <a:rPr lang="en-US" dirty="0"/>
+              <a:t> position="</a:t>
+            </a:r>
+            <a:r>
+              <a:rPr lang="en-US" b="1" dirty="0">
+                <a:solidFill>
+                  <a:srgbClr val="7030A0"/>
+                </a:solidFill>
+              </a:rPr>
+              <a:t>0 0 -5</a:t>
+            </a:r>
+            <a:r>
+              <a:rPr lang="en-US" dirty="0"/>
+              <a:t>" </a:t>
+            </a:r>
+          </a:p>
+          <a:p>
+            <a:r>
+              <a:rPr lang="en-US" dirty="0"/>
+              <a:t>	animation="property: rotation; </a:t>
+            </a:r>
+          </a:p>
+          <a:p>
+            <a:r>
+              <a:rPr lang="en-US" dirty="0"/>
+              <a:t>	to: 0 360 0;    </a:t>
+            </a:r>
+            <a:r>
+              <a:rPr lang="en-US" dirty="0">
+                <a:solidFill>
+                  <a:srgbClr val="FF0000"/>
+                </a:solidFill>
+              </a:rPr>
+              <a:t>rotates around the y-axis</a:t>
+            </a:r>
+            <a:endParaRPr lang="en-US" dirty="0"/>
+          </a:p>
+          <a:p>
+            <a:r>
+              <a:rPr lang="en-US" dirty="0"/>
+              <a:t>	loop: true; dur:10000 "&gt;</a:t>
+            </a:r>
+          </a:p>
+          <a:p>
+            <a:r>
+              <a:rPr lang="en-US" dirty="0"/>
+              <a:t>	</a:t>
+            </a:r>
+            <a:r>
+              <a:rPr lang="en-US" dirty="0">
+                <a:solidFill>
+                  <a:schemeClr val="accent1"/>
+                </a:solidFill>
+              </a:rPr>
+              <a:t>&lt;a-sphere  id="</a:t>
+            </a:r>
+            <a:r>
+              <a:rPr lang="en-US" dirty="0" err="1">
+                <a:solidFill>
+                  <a:schemeClr val="accent1"/>
+                </a:solidFill>
+              </a:rPr>
+              <a:t>MySphere</a:t>
+            </a:r>
+            <a:r>
+              <a:rPr lang="en-US" dirty="0">
+                <a:solidFill>
+                  <a:schemeClr val="accent1"/>
+                </a:solidFill>
+              </a:rPr>
+              <a:t>" position="</a:t>
+            </a:r>
+            <a:r>
+              <a:rPr lang="en-US" dirty="0">
+                <a:solidFill>
+                  <a:srgbClr val="FF0000"/>
+                </a:solidFill>
+              </a:rPr>
+              <a:t>0 0 -2</a:t>
+            </a:r>
+            <a:r>
+              <a:rPr lang="en-US" dirty="0">
+                <a:solidFill>
+                  <a:schemeClr val="accent1"/>
+                </a:solidFill>
+              </a:rPr>
+              <a:t>" 			</a:t>
+            </a:r>
+            <a:r>
+              <a:rPr lang="en-US" dirty="0" err="1">
+                <a:solidFill>
+                  <a:schemeClr val="accent1"/>
+                </a:solidFill>
+              </a:rPr>
+              <a:t>src</a:t>
+            </a:r>
+            <a:r>
+              <a:rPr lang="en-US" dirty="0">
+                <a:solidFill>
+                  <a:schemeClr val="accent1"/>
+                </a:solidFill>
+              </a:rPr>
+              <a:t>="#mars" rotation="0 0 0" &gt;</a:t>
+            </a:r>
+          </a:p>
+          <a:p>
+            <a:r>
+              <a:rPr lang="en-US" dirty="0">
+                <a:solidFill>
+                  <a:schemeClr val="accent1"/>
+                </a:solidFill>
+              </a:rPr>
+              <a:t>	&lt;/a-sphere&gt;</a:t>
+            </a:r>
+          </a:p>
+          <a:p>
+            <a:r>
+              <a:rPr lang="en-US" dirty="0"/>
+              <a:t>&lt;/</a:t>
+            </a:r>
+            <a:r>
+              <a:rPr lang="en-US" b="1" dirty="0"/>
+              <a:t>a-entity</a:t>
+            </a:r>
+            <a:r>
+              <a:rPr lang="en-US" dirty="0"/>
+              <a:t>&gt;</a:t>
+            </a:r>
+          </a:p>
+        </p:txBody>
+      </p:sp>
+    </p:spTree>
+    <p:extLst>
+      <p:ext uri="{BB962C8B-B14F-4D97-AF65-F5344CB8AC3E}">
+        <p14:creationId xmlns:p14="http://schemas.microsoft.com/office/powerpoint/2010/main" val="2577524346"/>
+      </p:ext>
+    </p:extLst>
+  </p:cSld>
+  <p:clrMapOvr>
+    <a:masterClrMapping/>
+  </p:clrMapOvr>
+</p:sld>
+</file>
+
+<file path=ppt/slides/slide14.xml><?xml version="1.0" encoding="utf-8"?>
+<p:sld xmlns:a="http://schemas.openxmlformats.org/drawingml/2006/main" xmlns:r="http://schemas.openxmlformats.org/officeDocument/2006/relationships" xmlns:p="http://schemas.openxmlformats.org/presentationml/2006/main">
+  <p:cSld>
+    <p:spTree>
+      <p:nvGrpSpPr>
+        <p:cNvPr id="1" name=""/>
+        <p:cNvGrpSpPr/>
+        <p:nvPr/>
+      </p:nvGrpSpPr>
+      <p:grpSpPr>
+        <a:xfrm>
+          <a:off x="0" y="0"/>
+          <a:ext cx="0" cy="0"/>
+          <a:chOff x="0" y="0"/>
+          <a:chExt cx="0" cy="0"/>
+        </a:xfrm>
+      </p:grpSpPr>
+      <p:sp>
+        <p:nvSpPr>
+          <p:cNvPr id="2" name="Title 1">
+            <a:extLst>
+              <a:ext uri="{FF2B5EF4-FFF2-40B4-BE49-F238E27FC236}">
+                <a16:creationId xmlns:a16="http://schemas.microsoft.com/office/drawing/2014/main" id="{22515781-8429-1E12-D9BF-3F8F2FA6BD97}"/>
+              </a:ext>
+            </a:extLst>
+          </p:cNvPr>
+          <p:cNvSpPr>
+            <a:spLocks noGrp="1"/>
+          </p:cNvSpPr>
+          <p:nvPr>
+            <p:ph type="title"/>
+          </p:nvPr>
+        </p:nvSpPr>
+        <p:spPr/>
+        <p:txBody>
+          <a:bodyPr/>
+          <a:lstStyle/>
+          <a:p>
+            <a:r>
+              <a:rPr lang="en-US" dirty="0"/>
+              <a:t>Several animations – frame </a:t>
+            </a:r>
+            <a:r>
+              <a:rPr lang="en-US"/>
+              <a:t>of reference</a:t>
+            </a:r>
+            <a:endParaRPr lang="en-US" dirty="0"/>
+          </a:p>
+        </p:txBody>
+      </p:sp>
+      <p:pic>
+        <p:nvPicPr>
+          <p:cNvPr id="7" name="Picture 6">
+            <a:extLst>
+              <a:ext uri="{FF2B5EF4-FFF2-40B4-BE49-F238E27FC236}">
+                <a16:creationId xmlns:a16="http://schemas.microsoft.com/office/drawing/2014/main" id="{FD422004-9513-D2FA-B584-867B5C632DC5}"/>
+              </a:ext>
+            </a:extLst>
+          </p:cNvPr>
+          <p:cNvPicPr>
+            <a:picLocks noChangeAspect="1"/>
+          </p:cNvPicPr>
+          <p:nvPr/>
+        </p:nvPicPr>
+        <p:blipFill>
+          <a:blip r:embed="rId2"/>
+          <a:stretch>
+            <a:fillRect/>
+          </a:stretch>
+        </p:blipFill>
+        <p:spPr>
+          <a:xfrm>
+            <a:off x="1434703" y="2529153"/>
+            <a:ext cx="9322593" cy="2334768"/>
+          </a:xfrm>
+          <a:prstGeom prst="rect">
+            <a:avLst/>
+          </a:prstGeom>
+        </p:spPr>
+      </p:pic>
+      <p:cxnSp>
+        <p:nvCxnSpPr>
+          <p:cNvPr id="8" name="Straight Arrow Connector 7">
+            <a:extLst>
+              <a:ext uri="{FF2B5EF4-FFF2-40B4-BE49-F238E27FC236}">
+                <a16:creationId xmlns:a16="http://schemas.microsoft.com/office/drawing/2014/main" id="{1CD0A216-2B10-9355-C19A-81E6F9F79E2C}"/>
+              </a:ext>
+            </a:extLst>
+          </p:cNvPr>
+          <p:cNvCxnSpPr/>
+          <p:nvPr/>
+        </p:nvCxnSpPr>
+        <p:spPr>
+          <a:xfrm flipH="1">
+            <a:off x="8637431" y="2023101"/>
+            <a:ext cx="746975" cy="815662"/>
+          </a:xfrm>
+          <a:prstGeom prst="straightConnector1">
+            <a:avLst/>
+          </a:prstGeom>
+          <a:ln w="57150">
+            <a:tailEnd type="triangle"/>
+          </a:ln>
+        </p:spPr>
+        <p:style>
+          <a:lnRef idx="3">
+            <a:schemeClr val="accent2"/>
+          </a:lnRef>
+          <a:fillRef idx="0">
+            <a:schemeClr val="accent2"/>
+          </a:fillRef>
+          <a:effectRef idx="2">
+            <a:schemeClr val="accent2"/>
+          </a:effectRef>
+          <a:fontRef idx="minor">
+            <a:schemeClr val="tx1"/>
+          </a:fontRef>
+        </p:style>
+      </p:cxnSp>
+      <p:cxnSp>
+        <p:nvCxnSpPr>
+          <p:cNvPr id="9" name="Straight Arrow Connector 8">
+            <a:extLst>
+              <a:ext uri="{FF2B5EF4-FFF2-40B4-BE49-F238E27FC236}">
+                <a16:creationId xmlns:a16="http://schemas.microsoft.com/office/drawing/2014/main" id="{D064B5C6-6B0E-5943-A6D3-BEE76012C665}"/>
+              </a:ext>
+            </a:extLst>
+          </p:cNvPr>
+          <p:cNvCxnSpPr>
+            <a:cxnSpLocks/>
+          </p:cNvCxnSpPr>
+          <p:nvPr/>
+        </p:nvCxnSpPr>
+        <p:spPr>
+          <a:xfrm flipH="1" flipV="1">
+            <a:off x="8967988" y="4019238"/>
+            <a:ext cx="648237" cy="755560"/>
+          </a:xfrm>
+          <a:prstGeom prst="straightConnector1">
+            <a:avLst/>
+          </a:prstGeom>
+          <a:ln w="57150">
+            <a:tailEnd type="triangle"/>
+          </a:ln>
+        </p:spPr>
+        <p:style>
+          <a:lnRef idx="3">
+            <a:schemeClr val="accent2"/>
+          </a:lnRef>
+          <a:fillRef idx="0">
+            <a:schemeClr val="accent2"/>
+          </a:fillRef>
+          <a:effectRef idx="2">
+            <a:schemeClr val="accent2"/>
+          </a:effectRef>
+          <a:fontRef idx="minor">
+            <a:schemeClr val="tx1"/>
+          </a:fontRef>
+        </p:style>
+      </p:cxnSp>
+    </p:spTree>
+    <p:extLst>
+      <p:ext uri="{BB962C8B-B14F-4D97-AF65-F5344CB8AC3E}">
+        <p14:creationId xmlns:p14="http://schemas.microsoft.com/office/powerpoint/2010/main" val="2692866793"/>
+      </p:ext>
+    </p:extLst>
+  </p:cSld>
+  <p:clrMapOvr>
+    <a:masterClrMapping/>
+  </p:clrMapOvr>
+</p:sld>
+</file>
+
+<file path=ppt/slides/slide15.xml><?xml version="1.0" encoding="utf-8"?>
+<p:sld xmlns:a="http://schemas.openxmlformats.org/drawingml/2006/main" xmlns:r="http://schemas.openxmlformats.org/officeDocument/2006/relationships" xmlns:p="http://schemas.openxmlformats.org/presentationml/2006/main">
+  <p:cSld>
+    <p:spTree>
+      <p:nvGrpSpPr>
+        <p:cNvPr id="1" name="">
+          <a:extLst>
+            <a:ext uri="{FF2B5EF4-FFF2-40B4-BE49-F238E27FC236}">
+              <a16:creationId xmlns:a16="http://schemas.microsoft.com/office/drawing/2014/main" id="{E83F183B-FE37-23B4-6E83-428DC0206ADD}"/>
+            </a:ext>
+          </a:extLst>
+        </p:cNvPr>
+        <p:cNvGrpSpPr/>
+        <p:nvPr/>
+      </p:nvGrpSpPr>
+      <p:grpSpPr>
+        <a:xfrm>
+          <a:off x="0" y="0"/>
+          <a:ext cx="0" cy="0"/>
+          <a:chOff x="0" y="0"/>
+          <a:chExt cx="0" cy="0"/>
+        </a:xfrm>
+      </p:grpSpPr>
+      <p:sp>
+        <p:nvSpPr>
+          <p:cNvPr id="2" name="Title 1">
+            <a:extLst>
+              <a:ext uri="{FF2B5EF4-FFF2-40B4-BE49-F238E27FC236}">
+                <a16:creationId xmlns:a16="http://schemas.microsoft.com/office/drawing/2014/main" id="{AF1238C2-21C7-D50C-F5C1-1EA52AEC47EF}"/>
+              </a:ext>
+            </a:extLst>
+          </p:cNvPr>
+          <p:cNvSpPr>
+            <a:spLocks noGrp="1"/>
+          </p:cNvSpPr>
+          <p:nvPr>
+            <p:ph type="title"/>
+          </p:nvPr>
+        </p:nvSpPr>
+        <p:spPr/>
+        <p:txBody>
+          <a:bodyPr/>
+          <a:lstStyle/>
+          <a:p>
+            <a:r>
+              <a:rPr lang="en-US" dirty="0"/>
+              <a:t>Several animations at the same time</a:t>
+            </a:r>
+          </a:p>
+        </p:txBody>
+      </p:sp>
+      <p:pic>
+        <p:nvPicPr>
+          <p:cNvPr id="5" name="Picture 4">
+            <a:extLst>
+              <a:ext uri="{FF2B5EF4-FFF2-40B4-BE49-F238E27FC236}">
+                <a16:creationId xmlns:a16="http://schemas.microsoft.com/office/drawing/2014/main" id="{57A14AA0-ABE2-4C92-9051-EAFB1B821D62}"/>
+              </a:ext>
+            </a:extLst>
+          </p:cNvPr>
+          <p:cNvPicPr>
+            <a:picLocks noChangeAspect="1"/>
+          </p:cNvPicPr>
+          <p:nvPr/>
+        </p:nvPicPr>
+        <p:blipFill>
+          <a:blip r:embed="rId2"/>
+          <a:stretch>
+            <a:fillRect/>
+          </a:stretch>
+        </p:blipFill>
+        <p:spPr>
+          <a:xfrm>
+            <a:off x="1750510" y="3324415"/>
+            <a:ext cx="8329565" cy="1106270"/>
+          </a:xfrm>
+          <a:prstGeom prst="rect">
+            <a:avLst/>
+          </a:prstGeom>
+        </p:spPr>
+      </p:pic>
+      <p:sp>
+        <p:nvSpPr>
+          <p:cNvPr id="3" name="TextBox 2">
+            <a:extLst>
+              <a:ext uri="{FF2B5EF4-FFF2-40B4-BE49-F238E27FC236}">
+                <a16:creationId xmlns:a16="http://schemas.microsoft.com/office/drawing/2014/main" id="{0DB7FD7C-218F-2415-9938-3E613226838A}"/>
+              </a:ext>
+            </a:extLst>
+          </p:cNvPr>
+          <p:cNvSpPr txBox="1"/>
+          <p:nvPr/>
+        </p:nvSpPr>
+        <p:spPr>
+          <a:xfrm>
+            <a:off x="6946005" y="3139749"/>
+            <a:ext cx="570990" cy="369332"/>
+          </a:xfrm>
+          <a:prstGeom prst="rect">
+            <a:avLst/>
+          </a:prstGeom>
+          <a:noFill/>
+        </p:spPr>
+        <p:txBody>
+          <a:bodyPr wrap="none" rtlCol="0">
+            <a:spAutoFit/>
+          </a:bodyPr>
+          <a:lstStyle/>
+          <a:p>
+            <a:r>
+              <a:rPr lang="en-US" dirty="0"/>
+              <a:t>spin</a:t>
+            </a:r>
+          </a:p>
+        </p:txBody>
+      </p:sp>
+      <p:sp>
+        <p:nvSpPr>
+          <p:cNvPr id="4" name="TextBox 3">
+            <a:extLst>
+              <a:ext uri="{FF2B5EF4-FFF2-40B4-BE49-F238E27FC236}">
+                <a16:creationId xmlns:a16="http://schemas.microsoft.com/office/drawing/2014/main" id="{CE749327-E26F-D3D1-1526-F117EEA2E840}"/>
+              </a:ext>
+            </a:extLst>
+          </p:cNvPr>
+          <p:cNvSpPr txBox="1"/>
+          <p:nvPr/>
+        </p:nvSpPr>
+        <p:spPr>
+          <a:xfrm>
+            <a:off x="7347397" y="3429000"/>
+            <a:ext cx="1010469" cy="369332"/>
+          </a:xfrm>
+          <a:prstGeom prst="rect">
+            <a:avLst/>
+          </a:prstGeom>
+          <a:noFill/>
+        </p:spPr>
+        <p:txBody>
+          <a:bodyPr wrap="none" rtlCol="0">
+            <a:spAutoFit/>
+          </a:bodyPr>
+          <a:lstStyle/>
+          <a:p>
+            <a:r>
+              <a:rPr lang="en-US" dirty="0"/>
+              <a:t>translate</a:t>
+            </a:r>
+          </a:p>
+        </p:txBody>
+      </p:sp>
+    </p:spTree>
+    <p:extLst>
+      <p:ext uri="{BB962C8B-B14F-4D97-AF65-F5344CB8AC3E}">
+        <p14:creationId xmlns:p14="http://schemas.microsoft.com/office/powerpoint/2010/main" val="1704326446"/>
+      </p:ext>
+    </p:extLst>
+  </p:cSld>
+  <p:clrMapOvr>
+    <a:masterClrMapping/>
+  </p:clrMapOvr>
+</p:sld>
+</file>
+
+<file path=ppt/slides/slide16.xml><?xml version="1.0" encoding="utf-8"?>
+<p:sld xmlns:a="http://schemas.openxmlformats.org/drawingml/2006/main" xmlns:r="http://schemas.openxmlformats.org/officeDocument/2006/relationships" xmlns:p="http://schemas.openxmlformats.org/presentationml/2006/main">
+  <p:cSld>
+    <p:spTree>
+      <p:nvGrpSpPr>
+        <p:cNvPr id="1" name=""/>
+        <p:cNvGrpSpPr/>
+        <p:nvPr/>
+      </p:nvGrpSpPr>
+      <p:grpSpPr>
+        <a:xfrm>
+          <a:off x="0" y="0"/>
+          <a:ext cx="0" cy="0"/>
+          <a:chOff x="0" y="0"/>
+          <a:chExt cx="0" cy="0"/>
+        </a:xfrm>
+      </p:grpSpPr>
+      <p:sp>
+        <p:nvSpPr>
+          <p:cNvPr id="2" name="Title 1">
+            <a:extLst>
+              <a:ext uri="{FF2B5EF4-FFF2-40B4-BE49-F238E27FC236}">
                 <a16:creationId xmlns:a16="http://schemas.microsoft.com/office/drawing/2014/main" id="{DCD17752-E8BF-C7EB-C6AF-225EEC3F5FBB}"/>
               </a:ext>
             </a:extLst>
@@ -5738,7 +6999,7 @@
 </p:sld>
 </file>
 
-<file path=ppt/slides/slide14.xml><?xml version="1.0" encoding="utf-8"?>
+<file path=ppt/slides/slide17.xml><?xml version="1.0" encoding="utf-8"?>
 <p:sld xmlns:a="http://schemas.openxmlformats.org/drawingml/2006/main" xmlns:r="http://schemas.openxmlformats.org/officeDocument/2006/relationships" xmlns:p="http://schemas.openxmlformats.org/presentationml/2006/main">
   <p:cSld>
     <p:spTree>
@@ -7097,7 +8358,23 @@
                   <a:srgbClr val="0070C0"/>
                 </a:solidFill>
               </a:rPr>
-              <a:t>A-box – a-Platonic-solids-Rotate</a:t>
+              <a:t>A-box </a:t>
+            </a:r>
+            <a:r>
+              <a:rPr lang="en-US" dirty="0">
+                <a:solidFill>
+                  <a:srgbClr val="FF0000"/>
+                </a:solidFill>
+              </a:rPr>
+              <a:t>static rotation </a:t>
+            </a:r>
+            <a:r>
+              <a:rPr lang="en-US" dirty="0">
+                <a:solidFill>
+                  <a:srgbClr val="0070C0"/>
+                </a:solidFill>
+              </a:rPr>
+              <a:t>– a-Platonic-solids</a:t>
             </a:r>
           </a:p>
         </p:txBody>
@@ -7801,6 +9078,210 @@
           <p:cNvPr id="2" name="Title 1">
             <a:extLst>
               <a:ext uri="{FF2B5EF4-FFF2-40B4-BE49-F238E27FC236}">
+                <a16:creationId xmlns:a16="http://schemas.microsoft.com/office/drawing/2014/main" id="{54BCE153-79A6-2630-5E1A-52589041C307}"/>
+              </a:ext>
+            </a:extLst>
+          </p:cNvPr>
+          <p:cNvSpPr>
+            <a:spLocks noGrp="1"/>
+          </p:cNvSpPr>
+          <p:nvPr>
+            <p:ph type="title"/>
+          </p:nvPr>
+        </p:nvSpPr>
+        <p:spPr/>
+        <p:txBody>
+          <a:bodyPr/>
+          <a:lstStyle/>
+          <a:p>
+            <a:r>
+              <a:rPr lang="en-US" dirty="0"/>
+              <a:t>Translation</a:t>
+            </a:r>
+          </a:p>
+        </p:txBody>
+      </p:sp>
+      <p:sp>
+        <p:nvSpPr>
+          <p:cNvPr id="7" name="Content Placeholder 6">
+            <a:extLst>
+              <a:ext uri="{FF2B5EF4-FFF2-40B4-BE49-F238E27FC236}">
+                <a16:creationId xmlns:a16="http://schemas.microsoft.com/office/drawing/2014/main" id="{9D61BAF4-4294-B80B-28E8-DC06604F972F}"/>
+              </a:ext>
+            </a:extLst>
+          </p:cNvPr>
+          <p:cNvSpPr>
+            <a:spLocks noGrp="1"/>
+          </p:cNvSpPr>
+          <p:nvPr>
+            <p:ph idx="1"/>
+          </p:nvPr>
+        </p:nvSpPr>
+        <p:spPr>
+          <a:xfrm>
+            <a:off x="902595" y="1937242"/>
+            <a:ext cx="10515600" cy="4351338"/>
+          </a:xfrm>
+        </p:spPr>
+        <p:txBody>
+          <a:bodyPr/>
+          <a:lstStyle/>
+          <a:p>
+            <a:endParaRPr lang="en-US" dirty="0"/>
+          </a:p>
+          <a:p>
+            <a:endParaRPr lang="en-US" dirty="0"/>
+          </a:p>
+          <a:p>
+            <a:endParaRPr lang="en-US" dirty="0"/>
+          </a:p>
+        </p:txBody>
+      </p:sp>
+      <p:pic>
+        <p:nvPicPr>
+          <p:cNvPr id="9" name="Picture 8">
+            <a:extLst>
+              <a:ext uri="{FF2B5EF4-FFF2-40B4-BE49-F238E27FC236}">
+                <a16:creationId xmlns:a16="http://schemas.microsoft.com/office/drawing/2014/main" id="{F777DEC5-33D6-D421-7DA0-F2E1563B21E7}"/>
+              </a:ext>
+            </a:extLst>
+          </p:cNvPr>
+          <p:cNvPicPr>
+            <a:picLocks noChangeAspect="1"/>
+          </p:cNvPicPr>
+          <p:nvPr/>
+        </p:nvPicPr>
+        <p:blipFill>
+          <a:blip r:embed="rId2"/>
+          <a:stretch>
+            <a:fillRect/>
+          </a:stretch>
+        </p:blipFill>
+        <p:spPr>
+          <a:xfrm>
+            <a:off x="1682068" y="1758045"/>
+            <a:ext cx="7830669" cy="1792230"/>
+          </a:xfrm>
+          <a:prstGeom prst="rect">
+            <a:avLst/>
+          </a:prstGeom>
+        </p:spPr>
+      </p:pic>
+      <p:cxnSp>
+        <p:nvCxnSpPr>
+          <p:cNvPr id="11" name="Straight Arrow Connector 10">
+            <a:extLst>
+              <a:ext uri="{FF2B5EF4-FFF2-40B4-BE49-F238E27FC236}">
+                <a16:creationId xmlns:a16="http://schemas.microsoft.com/office/drawing/2014/main" id="{B7C98B34-8664-4BBE-00BB-077F189828D3}"/>
+              </a:ext>
+            </a:extLst>
+          </p:cNvPr>
+          <p:cNvCxnSpPr/>
+          <p:nvPr/>
+        </p:nvCxnSpPr>
+        <p:spPr>
+          <a:xfrm flipH="1">
+            <a:off x="8847786" y="1529411"/>
+            <a:ext cx="746975" cy="815662"/>
+          </a:xfrm>
+          <a:prstGeom prst="straightConnector1">
+            <a:avLst/>
+          </a:prstGeom>
+          <a:ln w="57150">
+            <a:tailEnd type="triangle"/>
+          </a:ln>
+        </p:spPr>
+        <p:style>
+          <a:lnRef idx="3">
+            <a:schemeClr val="accent2"/>
+          </a:lnRef>
+          <a:fillRef idx="0">
+            <a:schemeClr val="accent2"/>
+          </a:fillRef>
+          <a:effectRef idx="2">
+            <a:schemeClr val="accent2"/>
+          </a:effectRef>
+          <a:fontRef idx="minor">
+            <a:schemeClr val="tx1"/>
+          </a:fontRef>
+        </p:style>
+      </p:cxnSp>
+      <p:cxnSp>
+        <p:nvCxnSpPr>
+          <p:cNvPr id="12" name="Straight Arrow Connector 11">
+            <a:extLst>
+              <a:ext uri="{FF2B5EF4-FFF2-40B4-BE49-F238E27FC236}">
+                <a16:creationId xmlns:a16="http://schemas.microsoft.com/office/drawing/2014/main" id="{9B858F28-6156-5673-705B-6A58700A313B}"/>
+              </a:ext>
+            </a:extLst>
+          </p:cNvPr>
+          <p:cNvCxnSpPr>
+            <a:cxnSpLocks/>
+          </p:cNvCxnSpPr>
+          <p:nvPr/>
+        </p:nvCxnSpPr>
+        <p:spPr>
+          <a:xfrm flipV="1">
+            <a:off x="6357871" y="2654160"/>
+            <a:ext cx="283335" cy="913069"/>
+          </a:xfrm>
+          <a:prstGeom prst="straightConnector1">
+            <a:avLst/>
+          </a:prstGeom>
+          <a:ln w="57150">
+            <a:tailEnd type="triangle"/>
+          </a:ln>
+        </p:spPr>
+        <p:style>
+          <a:lnRef idx="3">
+            <a:schemeClr val="accent2"/>
+          </a:lnRef>
+          <a:fillRef idx="0">
+            <a:schemeClr val="accent2"/>
+          </a:fillRef>
+          <a:effectRef idx="2">
+            <a:schemeClr val="accent2"/>
+          </a:effectRef>
+          <a:fontRef idx="minor">
+            <a:schemeClr val="tx1"/>
+          </a:fontRef>
+        </p:style>
+      </p:cxnSp>
+    </p:spTree>
+    <p:extLst>
+      <p:ext uri="{BB962C8B-B14F-4D97-AF65-F5344CB8AC3E}">
+        <p14:creationId xmlns:p14="http://schemas.microsoft.com/office/powerpoint/2010/main" val="4051697671"/>
+      </p:ext>
+    </p:extLst>
+  </p:cSld>
+  <p:clrMapOvr>
+    <a:masterClrMapping/>
+  </p:clrMapOvr>
+</p:sld>
+</file>
+
+<file path=ppt/slides/slide7.xml><?xml version="1.0" encoding="utf-8"?>
+<p:sld xmlns:a="http://schemas.openxmlformats.org/drawingml/2006/main" xmlns:r="http://schemas.openxmlformats.org/officeDocument/2006/relationships" xmlns:p="http://schemas.openxmlformats.org/presentationml/2006/main">
+  <p:cSld>
+    <p:spTree>
+      <p:nvGrpSpPr>
+        <p:cNvPr id="1" name=""/>
+        <p:cNvGrpSpPr/>
+        <p:nvPr/>
+      </p:nvGrpSpPr>
+      <p:grpSpPr>
+        <a:xfrm>
+          <a:off x="0" y="0"/>
+          <a:ext cx="0" cy="0"/>
+          <a:chOff x="0" y="0"/>
+          <a:chExt cx="0" cy="0"/>
+        </a:xfrm>
+      </p:grpSpPr>
+      <p:sp>
+        <p:nvSpPr>
+          <p:cNvPr id="2" name="Title 1">
+            <a:extLst>
+              <a:ext uri="{FF2B5EF4-FFF2-40B4-BE49-F238E27FC236}">
                 <a16:creationId xmlns:a16="http://schemas.microsoft.com/office/drawing/2014/main" id="{BCEEA80B-2133-AB36-E153-49B07D078B9A}"/>
               </a:ext>
             </a:extLst>
@@ -8066,7 +9547,7 @@
 </p:sld>
 </file>
 
-<file path=ppt/slides/slide7.xml><?xml version="1.0" encoding="utf-8"?>
+<file path=ppt/slides/slide8.xml><?xml version="1.0" encoding="utf-8"?>
 <p:sld xmlns:a="http://schemas.openxmlformats.org/drawingml/2006/main" xmlns:r="http://schemas.openxmlformats.org/officeDocument/2006/relationships" xmlns:p="http://schemas.openxmlformats.org/presentationml/2006/main">
   <p:cSld>
     <p:spTree>
@@ -8194,217 +9675,6 @@
 </p:sld>
 </file>
 
-<file path=ppt/slides/slide8.xml><?xml version="1.0" encoding="utf-8"?>
-<p:sld xmlns:a="http://schemas.openxmlformats.org/drawingml/2006/main" xmlns:r="http://schemas.openxmlformats.org/officeDocument/2006/relationships" xmlns:p="http://schemas.openxmlformats.org/presentationml/2006/main">
-  <p:cSld>
-    <p:spTree>
-      <p:nvGrpSpPr>
-        <p:cNvPr id="1" name=""/>
-        <p:cNvGrpSpPr/>
-        <p:nvPr/>
-      </p:nvGrpSpPr>
-      <p:grpSpPr>
-        <a:xfrm>
-          <a:off x="0" y="0"/>
-          <a:ext cx="0" cy="0"/>
-          <a:chOff x="0" y="0"/>
-          <a:chExt cx="0" cy="0"/>
-        </a:xfrm>
-      </p:grpSpPr>
-      <p:sp>
-        <p:nvSpPr>
-          <p:cNvPr id="2" name="Title 1">
-            <a:extLst>
-              <a:ext uri="{FF2B5EF4-FFF2-40B4-BE49-F238E27FC236}">
-                <a16:creationId xmlns:a16="http://schemas.microsoft.com/office/drawing/2014/main" id="{BF683C0E-F1D1-D452-BFA8-E610F142133D}"/>
-              </a:ext>
-            </a:extLst>
-          </p:cNvPr>
-          <p:cNvSpPr>
-            <a:spLocks noGrp="1"/>
-          </p:cNvSpPr>
-          <p:nvPr>
-            <p:ph type="title"/>
-          </p:nvPr>
-        </p:nvSpPr>
-        <p:spPr/>
-        <p:txBody>
-          <a:bodyPr/>
-          <a:lstStyle/>
-          <a:p>
-            <a:r>
-              <a:rPr lang="en-US" dirty="0"/>
-              <a:t>Basic animation</a:t>
-            </a:r>
-          </a:p>
-        </p:txBody>
-      </p:sp>
-      <p:sp>
-        <p:nvSpPr>
-          <p:cNvPr id="3" name="Content Placeholder 2">
-            <a:extLst>
-              <a:ext uri="{FF2B5EF4-FFF2-40B4-BE49-F238E27FC236}">
-                <a16:creationId xmlns:a16="http://schemas.microsoft.com/office/drawing/2014/main" id="{46C64423-B4D1-72CD-ECD8-65DCC4821DFC}"/>
-              </a:ext>
-            </a:extLst>
-          </p:cNvPr>
-          <p:cNvSpPr>
-            <a:spLocks noGrp="1"/>
-          </p:cNvSpPr>
-          <p:nvPr>
-            <p:ph idx="1"/>
-          </p:nvPr>
-        </p:nvSpPr>
-        <p:spPr/>
-        <p:txBody>
-          <a:bodyPr>
-            <a:normAutofit fontScale="92500" lnSpcReduction="10000"/>
-          </a:bodyPr>
-          <a:lstStyle/>
-          <a:p>
-            <a:pPr marL="0" indent="0">
-              <a:buNone/>
-            </a:pPr>
-            <a:r>
-              <a:rPr lang="en-US" dirty="0"/>
-              <a:t>&lt;a-box  id="PGB box" position="0 2 -2.5" rotation="45 45 45" 		color="green"</a:t>
-            </a:r>
-          </a:p>
-          <a:p>
-            <a:pPr marL="0" indent="0">
-              <a:buNone/>
-            </a:pPr>
-            <a:r>
-              <a:rPr lang="en-US" dirty="0"/>
-              <a:t>	animation=   </a:t>
-            </a:r>
-            <a:r>
-              <a:rPr lang="en-US" dirty="0">
-                <a:solidFill>
-                  <a:srgbClr val="0070C0"/>
-                </a:solidFill>
-              </a:rPr>
-              <a:t>“property: rotation; </a:t>
-            </a:r>
-          </a:p>
-          <a:p>
-            <a:pPr marL="0" indent="0">
-              <a:buNone/>
-            </a:pPr>
-            <a:r>
-              <a:rPr lang="en-US" dirty="0">
-                <a:solidFill>
-                  <a:srgbClr val="0070C0"/>
-                </a:solidFill>
-              </a:rPr>
-              <a:t>			dur: 10000; </a:t>
-            </a:r>
-          </a:p>
-          <a:p>
-            <a:pPr marL="0" indent="0">
-              <a:buNone/>
-            </a:pPr>
-            <a:r>
-              <a:rPr lang="en-US" dirty="0">
-                <a:solidFill>
-                  <a:srgbClr val="0070C0"/>
-                </a:solidFill>
-              </a:rPr>
-              <a:t>			from: 0 0 0; </a:t>
-            </a:r>
-          </a:p>
-          <a:p>
-            <a:pPr marL="0" indent="0">
-              <a:buNone/>
-            </a:pPr>
-            <a:r>
-              <a:rPr lang="en-US" dirty="0">
-                <a:solidFill>
-                  <a:srgbClr val="0070C0"/>
-                </a:solidFill>
-              </a:rPr>
-              <a:t>			to: 0 360 0; </a:t>
-            </a:r>
-          </a:p>
-          <a:p>
-            <a:pPr marL="0" indent="0">
-              <a:buNone/>
-            </a:pPr>
-            <a:r>
-              <a:rPr lang="en-US" dirty="0">
-                <a:solidFill>
-                  <a:srgbClr val="0070C0"/>
-                </a:solidFill>
-              </a:rPr>
-              <a:t>			</a:t>
-            </a:r>
-            <a:r>
-              <a:rPr lang="en-US" dirty="0" err="1">
-                <a:solidFill>
-                  <a:srgbClr val="0070C0"/>
-                </a:solidFill>
-              </a:rPr>
-              <a:t>dir</a:t>
-            </a:r>
-            <a:r>
-              <a:rPr lang="en-US" dirty="0">
-                <a:solidFill>
-                  <a:srgbClr val="0070C0"/>
-                </a:solidFill>
-              </a:rPr>
-              <a:t>: normal; </a:t>
-            </a:r>
-          </a:p>
-          <a:p>
-            <a:pPr marL="0" indent="0">
-              <a:buNone/>
-            </a:pPr>
-            <a:r>
-              <a:rPr lang="en-US" dirty="0">
-                <a:solidFill>
-                  <a:srgbClr val="0070C0"/>
-                </a:solidFill>
-              </a:rPr>
-              <a:t>			easing: linear; </a:t>
-            </a:r>
-          </a:p>
-          <a:p>
-            <a:pPr marL="0" indent="0">
-              <a:buNone/>
-            </a:pPr>
-            <a:r>
-              <a:rPr lang="en-US" dirty="0">
-                <a:solidFill>
-                  <a:srgbClr val="0070C0"/>
-                </a:solidFill>
-              </a:rPr>
-              <a:t>			loop: true;”</a:t>
-            </a:r>
-          </a:p>
-          <a:p>
-            <a:pPr marL="0" indent="0">
-              <a:buNone/>
-            </a:pPr>
-            <a:r>
-              <a:rPr lang="en-US" dirty="0"/>
-              <a:t>	  &gt;&lt;/a-box&gt;</a:t>
-            </a:r>
-          </a:p>
-        </p:txBody>
-      </p:sp>
-    </p:spTree>
-    <p:extLst>
-      <p:ext uri="{BB962C8B-B14F-4D97-AF65-F5344CB8AC3E}">
-        <p14:creationId xmlns:p14="http://schemas.microsoft.com/office/powerpoint/2010/main" val="4149205924"/>
-      </p:ext>
-    </p:extLst>
-  </p:cSld>
-  <p:clrMapOvr>
-    <a:masterClrMapping/>
-  </p:clrMapOvr>
-</p:sld>
-</file>
-
 <file path=ppt/slides/slide9.xml><?xml version="1.0" encoding="utf-8"?>
 <p:sld xmlns:a="http://schemas.openxmlformats.org/drawingml/2006/main" xmlns:r="http://schemas.openxmlformats.org/officeDocument/2006/relationships" xmlns:p="http://schemas.openxmlformats.org/presentationml/2006/main">
   <p:cSld>
@@ -8445,15 +9715,7 @@
           <a:p>
             <a:r>
               <a:rPr lang="en-US" dirty="0"/>
-              <a:t>Basic animation – </a:t>
-            </a:r>
-            <a:r>
-              <a:rPr lang="en-US" dirty="0">
-                <a:solidFill>
-                  <a:srgbClr val="FF0000"/>
-                </a:solidFill>
-              </a:rPr>
-              <a:t>rotation in place</a:t>
+              <a:t>Basic animation</a:t>
             </a:r>
           </a:p>
         </p:txBody>
@@ -8486,19 +9748,7 @@
             </a:pPr>
             <a:r>
               <a:rPr lang="en-US" dirty="0"/>
-              <a:t>&lt;a-box  id="PGB box" position="0 2 -2.5" </a:t>
-            </a:r>
-            <a:r>
-              <a:rPr lang="en-US" u="sng" dirty="0">
-                <a:solidFill>
-                  <a:schemeClr val="accent6"/>
-                </a:solidFill>
-              </a:rPr>
-              <a:t>rotation</a:t>
-            </a:r>
-            <a:r>
-              <a:rPr lang="en-US" dirty="0"/>
-              <a:t>="45 45 45" 		color="green"</a:t>
+              <a:t>&lt;a-box  id="PGB box" position="0 2 -2.5" rotation="45 45 45" 		color="green"</a:t>
             </a:r>
           </a:p>
           <a:p>
@@ -8515,31 +9765,54 @@
                   <a:srgbClr val="0070C0"/>
                 </a:solidFill>
               </a:rPr>
-              <a:t>'property: </a:t>
-            </a:r>
-            <a:r>
-              <a:rPr lang="en-US" u="sng" dirty="0">
-                <a:solidFill>
-                  <a:schemeClr val="accent6"/>
-                </a:solidFill>
-              </a:rPr>
-              <a:t>rotation</a:t>
-            </a:r>
+              <a:t>“property: rotation; </a:t>
+            </a:r>
+          </a:p>
+          <a:p>
+            <a:pPr marL="0" indent="0">
+              <a:buNone/>
+            </a:pPr>
             <a:r>
               <a:rPr lang="en-US" dirty="0">
                 <a:solidFill>
                   <a:srgbClr val="0070C0"/>
                 </a:solidFill>
               </a:rPr>
-              <a:t>;         </a:t>
-            </a:r>
+              <a:t>			dur: 10000; </a:t>
+            </a:r>
+          </a:p>
+          <a:p>
+            <a:pPr marL="0" indent="0">
+              <a:buNone/>
+            </a:pPr>
             <a:r>
               <a:rPr lang="en-US" dirty="0">
                 <a:solidFill>
+                  <a:srgbClr val="0070C0"/>
+                </a:solidFill>
+              </a:rPr>
+              <a:t>			from: 0 0 0; </a:t>
+            </a:r>
+          </a:p>
+          <a:p>
+            <a:pPr marL="0" indent="0">
+              <a:buNone/>
+            </a:pPr>
+            <a:r>
+              <a:rPr lang="en-US" dirty="0">
+                <a:solidFill>
+                  <a:srgbClr val="0070C0"/>
+                </a:solidFill>
+              </a:rPr>
+              <a:t>			to: 0 360 0;   </a:t>
+            </a:r>
+            <a:r>
+              <a:rPr lang="en-US" dirty="0">
+                <a:solidFill>
                   <a:srgbClr val="FF0000"/>
                 </a:solidFill>
               </a:rPr>
-              <a:t>position…</a:t>
+              <a:t>rotates around the y-axis</a:t>
             </a:r>
           </a:p>
           <a:p>
@@ -8552,15 +9825,23 @@
                   <a:srgbClr val="0070C0"/>
                 </a:solidFill>
               </a:rPr>
-              <a:t>			dur: 10000;    </a:t>
+              <a:t>			</a:t>
+            </a:r>
+            <a:r>
+              <a:rPr lang="en-US" dirty="0" err="1">
+                <a:solidFill>
+                  <a:srgbClr val="0070C0"/>
+                </a:solidFill>
+              </a:rPr>
+              <a:t>dir</a:t>
             </a:r>
             <a:r>
               <a:rPr lang="en-US" dirty="0">
                 <a:solidFill>
-                  <a:srgbClr val="FF0000"/>
-                </a:solidFill>
-              </a:rPr>
-              <a:t>entire transform in 10,000 milliseconds </a:t>
+                  <a:srgbClr val="0070C0"/>
+                </a:solidFill>
+              </a:rPr>
+              <a:t>: normal; </a:t>
             </a:r>
           </a:p>
           <a:p>
@@ -8573,7 +9854,7 @@
                   <a:srgbClr val="0070C0"/>
                 </a:solidFill>
               </a:rPr>
-              <a:t>			from: 0 0 0; </a:t>
+              <a:t>			easing: linear; </a:t>
             </a:r>
           </a:p>
           <a:p>
@@ -8586,70 +9867,7 @@
                   <a:srgbClr val="0070C0"/>
                 </a:solidFill>
               </a:rPr>
-              <a:t>			to: 0 360 0; </a:t>
-            </a:r>
-          </a:p>
-          <a:p>
-            <a:pPr marL="0" indent="0">
-              <a:buNone/>
-            </a:pPr>
-            <a:r>
-              <a:rPr lang="en-US" dirty="0">
-                <a:solidFill>
-                  <a:srgbClr val="0070C0"/>
-                </a:solidFill>
-              </a:rPr>
-              <a:t>			</a:t>
-            </a:r>
-            <a:r>
-              <a:rPr lang="en-US" dirty="0" err="1">
-                <a:solidFill>
-                  <a:srgbClr val="0070C0"/>
-                </a:solidFill>
-              </a:rPr>
-              <a:t>dir</a:t>
-            </a:r>
-            <a:r>
-              <a:rPr lang="en-US" dirty="0">
-                <a:solidFill>
-                  <a:srgbClr val="0070C0"/>
-                </a:solidFill>
-              </a:rPr>
-              <a:t>: normal;    </a:t>
-            </a:r>
-          </a:p>
-          <a:p>
-            <a:pPr marL="0" indent="0">
-              <a:buNone/>
-            </a:pPr>
-            <a:r>
-              <a:rPr lang="en-US" dirty="0">
-                <a:solidFill>
-                  <a:srgbClr val="0070C0"/>
-                </a:solidFill>
-              </a:rPr>
-              <a:t>			easing: linear;   </a:t>
-            </a:r>
-            <a:r>
-              <a:rPr lang="en-US" dirty="0">
-                <a:solidFill>
-                  <a:srgbClr val="FF0000"/>
-                </a:solidFill>
-              </a:rPr>
-              <a:t>between runs</a:t>
-            </a:r>
-          </a:p>
-          <a:p>
-            <a:pPr marL="0" indent="0">
-              <a:buNone/>
-            </a:pPr>
-            <a:r>
-              <a:rPr lang="en-US" dirty="0">
-                <a:solidFill>
-                  <a:srgbClr val="0070C0"/>
-                </a:solidFill>
-              </a:rPr>
-              <a:t>			loop: true;'</a:t>
+              <a:t>			loop: true;”</a:t>
             </a:r>
           </a:p>
           <a:p>
@@ -8666,7 +9884,7 @@
     </p:spTree>
     <p:extLst>
       <p:ext uri="{BB962C8B-B14F-4D97-AF65-F5344CB8AC3E}">
-        <p14:creationId xmlns:p14="http://schemas.microsoft.com/office/powerpoint/2010/main" val="3890012711"/>
+        <p14:creationId xmlns:p14="http://schemas.microsoft.com/office/powerpoint/2010/main" val="4149205924"/>
       </p:ext>
     </p:extLst>
   </p:cSld>

--- a/p04/A-frame-moving-geometric-objects.pptx
+++ b/p04/A-frame-moving-geometric-objects.pptx
@@ -7151,21 +7151,12 @@
             <a:pPr marL="0" indent="0">
               <a:buNone/>
             </a:pPr>
-            <a:endParaRPr lang="en-US" dirty="0">
-              <a:ea typeface="Calibri" panose="020F0502020204030204"/>
-              <a:cs typeface="Calibri" panose="020F0502020204030204"/>
-            </a:endParaRPr>
-          </a:p>
-          <a:p>
-            <a:pPr marL="0" indent="0">
-              <a:buNone/>
-            </a:pPr>
             <a:r>
               <a:rPr lang="en-US" dirty="0">
                 <a:ea typeface="Calibri" panose="020F0502020204030204"/>
                 <a:cs typeface="Calibri" panose="020F0502020204030204"/>
               </a:rPr>
-              <a:t>Spinning </a:t>
+              <a:t>Translation</a:t>
             </a:r>
           </a:p>
           <a:p>
@@ -7186,7 +7177,7 @@
                 <a:ea typeface="Calibri" panose="020F0502020204030204"/>
                 <a:cs typeface="Calibri" panose="020F0502020204030204"/>
               </a:rPr>
-              <a:t>Rotation</a:t>
+              <a:t>Spinning </a:t>
             </a:r>
           </a:p>
           <a:p>
@@ -7203,16 +7194,33 @@
               <a:buNone/>
             </a:pPr>
             <a:r>
-              <a:rPr lang="en-US">
+              <a:rPr lang="en-US" dirty="0">
                 <a:ea typeface="Calibri" panose="020F0502020204030204"/>
                 <a:cs typeface="Calibri" panose="020F0502020204030204"/>
               </a:rPr>
-              <a:t>Linear movement</a:t>
-            </a:r>
+              <a:t>Rotation</a:t>
+            </a:r>
+          </a:p>
+          <a:p>
+            <a:pPr marL="0" indent="0">
+              <a:buNone/>
+            </a:pPr>
             <a:endParaRPr lang="en-US" dirty="0">
               <a:ea typeface="Calibri" panose="020F0502020204030204"/>
               <a:cs typeface="Calibri" panose="020F0502020204030204"/>
             </a:endParaRPr>
+          </a:p>
+          <a:p>
+            <a:pPr marL="0" indent="0">
+              <a:buNone/>
+            </a:pPr>
+            <a:r>
+              <a:rPr lang="en-US" dirty="0">
+                <a:ea typeface="Calibri" panose="020F0502020204030204"/>
+                <a:cs typeface="Calibri" panose="020F0502020204030204"/>
+              </a:rPr>
+              <a:t>Linear movement</a:t>
+            </a:r>
           </a:p>
         </p:txBody>
       </p:sp>

--- a/p04/A-frame-moving-geometric-objects.pptx
+++ b/p04/A-frame-moving-geometric-objects.pptx
@@ -221,7 +221,7 @@
           <a:p>
             <a:fld id="{FA1E3CD0-6E24-4AC0-945A-82AEC1490673}" type="datetimeFigureOut">
               <a:rPr lang="en-US" smtClean="0"/>
-              <a:t>10/26/2024</a:t>
+              <a:t>5/30/2025</a:t>
             </a:fld>
             <a:endParaRPr lang="en-US"/>
           </a:p>
@@ -703,7 +703,7 @@
           <a:p>
             <a:fld id="{846CE7D5-CF57-46EF-B807-FDD0502418D4}" type="datetimeFigureOut">
               <a:rPr lang="en-US" smtClean="0"/>
-              <a:t>10/26/2024</a:t>
+              <a:t>5/30/2025</a:t>
             </a:fld>
             <a:endParaRPr lang="en-US"/>
           </a:p>
@@ -873,7 +873,7 @@
           <a:p>
             <a:fld id="{846CE7D5-CF57-46EF-B807-FDD0502418D4}" type="datetimeFigureOut">
               <a:rPr lang="en-US" smtClean="0"/>
-              <a:t>10/26/2024</a:t>
+              <a:t>5/30/2025</a:t>
             </a:fld>
             <a:endParaRPr lang="en-US"/>
           </a:p>
@@ -1053,7 +1053,7 @@
           <a:p>
             <a:fld id="{846CE7D5-CF57-46EF-B807-FDD0502418D4}" type="datetimeFigureOut">
               <a:rPr lang="en-US" smtClean="0"/>
-              <a:t>10/26/2024</a:t>
+              <a:t>5/30/2025</a:t>
             </a:fld>
             <a:endParaRPr lang="en-US"/>
           </a:p>
@@ -1223,7 +1223,7 @@
           <a:p>
             <a:fld id="{846CE7D5-CF57-46EF-B807-FDD0502418D4}" type="datetimeFigureOut">
               <a:rPr lang="en-US" smtClean="0"/>
-              <a:t>10/26/2024</a:t>
+              <a:t>5/30/2025</a:t>
             </a:fld>
             <a:endParaRPr lang="en-US"/>
           </a:p>
@@ -1469,7 +1469,7 @@
           <a:p>
             <a:fld id="{846CE7D5-CF57-46EF-B807-FDD0502418D4}" type="datetimeFigureOut">
               <a:rPr lang="en-US" smtClean="0"/>
-              <a:t>10/26/2024</a:t>
+              <a:t>5/30/2025</a:t>
             </a:fld>
             <a:endParaRPr lang="en-US"/>
           </a:p>
@@ -1701,7 +1701,7 @@
           <a:p>
             <a:fld id="{846CE7D5-CF57-46EF-B807-FDD0502418D4}" type="datetimeFigureOut">
               <a:rPr lang="en-US" smtClean="0"/>
-              <a:t>10/26/2024</a:t>
+              <a:t>5/30/2025</a:t>
             </a:fld>
             <a:endParaRPr lang="en-US"/>
           </a:p>
@@ -2068,7 +2068,7 @@
           <a:p>
             <a:fld id="{846CE7D5-CF57-46EF-B807-FDD0502418D4}" type="datetimeFigureOut">
               <a:rPr lang="en-US" smtClean="0"/>
-              <a:t>10/26/2024</a:t>
+              <a:t>5/30/2025</a:t>
             </a:fld>
             <a:endParaRPr lang="en-US"/>
           </a:p>
@@ -2186,7 +2186,7 @@
           <a:p>
             <a:fld id="{846CE7D5-CF57-46EF-B807-FDD0502418D4}" type="datetimeFigureOut">
               <a:rPr lang="en-US" smtClean="0"/>
-              <a:t>10/26/2024</a:t>
+              <a:t>5/30/2025</a:t>
             </a:fld>
             <a:endParaRPr lang="en-US"/>
           </a:p>
@@ -2281,7 +2281,7 @@
           <a:p>
             <a:fld id="{846CE7D5-CF57-46EF-B807-FDD0502418D4}" type="datetimeFigureOut">
               <a:rPr lang="en-US" smtClean="0"/>
-              <a:t>10/26/2024</a:t>
+              <a:t>5/30/2025</a:t>
             </a:fld>
             <a:endParaRPr lang="en-US"/>
           </a:p>
@@ -2558,7 +2558,7 @@
           <a:p>
             <a:fld id="{846CE7D5-CF57-46EF-B807-FDD0502418D4}" type="datetimeFigureOut">
               <a:rPr lang="en-US" smtClean="0"/>
-              <a:t>10/26/2024</a:t>
+              <a:t>5/30/2025</a:t>
             </a:fld>
             <a:endParaRPr lang="en-US"/>
           </a:p>
@@ -2815,7 +2815,7 @@
           <a:p>
             <a:fld id="{846CE7D5-CF57-46EF-B807-FDD0502418D4}" type="datetimeFigureOut">
               <a:rPr lang="en-US" smtClean="0"/>
-              <a:t>10/26/2024</a:t>
+              <a:t>5/30/2025</a:t>
             </a:fld>
             <a:endParaRPr lang="en-US"/>
           </a:p>
@@ -3028,7 +3028,7 @@
           <a:p>
             <a:fld id="{846CE7D5-CF57-46EF-B807-FDD0502418D4}" type="datetimeFigureOut">
               <a:rPr lang="en-US" smtClean="0"/>
-              <a:t>10/26/2024</a:t>
+              <a:t>5/30/2025</a:t>
             </a:fld>
             <a:endParaRPr lang="en-US"/>
           </a:p>
@@ -7291,7 +7291,23 @@
                   <a:srgbClr val="0070C0"/>
                 </a:solidFill>
               </a:rPr>
-              <a:t>https://aframe.io/docs/1.5.0/components/animation.html</a:t>
+              <a:t>https://aframe.io/docs</a:t>
+            </a:r>
+            <a:r>
+              <a:rPr lang="en-US" sz="2800" b="1">
+                <a:solidFill>
+                  <a:srgbClr val="0070C0"/>
+                </a:solidFill>
+              </a:rPr>
+              <a:t>/1.7.0</a:t>
+            </a:r>
+            <a:r>
+              <a:rPr lang="en-US" sz="2800" b="1" dirty="0">
+                <a:solidFill>
+                  <a:srgbClr val="0070C0"/>
+                </a:solidFill>
+              </a:rPr>
+              <a:t>/components/animation.html</a:t>
             </a:r>
             <a:endParaRPr lang="en-US" b="1" dirty="0">
               <a:solidFill>
@@ -7355,7 +7371,7 @@
             </a:r>
             <a:r>
               <a:rPr lang="en-US" dirty="0"/>
-              <a:t>="https://aframe.io/releases/1.4.1/aframe.min.js"&gt;&lt;/script&gt;</a:t>
+              <a:t>="https://aframe.io/releases/1.7.1/aframe.min.js"&gt;&lt;/script&gt;</a:t>
             </a:r>
           </a:p>
           <a:p>

--- a/p04/A-frame-moving-geometric-objects.pptx
+++ b/p04/A-frame-moving-geometric-objects.pptx
@@ -7291,23 +7291,7 @@
                   <a:srgbClr val="0070C0"/>
                 </a:solidFill>
               </a:rPr>
-              <a:t>https://aframe.io/docs</a:t>
-            </a:r>
-            <a:r>
-              <a:rPr lang="en-US" sz="2800" b="1">
-                <a:solidFill>
-                  <a:srgbClr val="0070C0"/>
-                </a:solidFill>
-              </a:rPr>
-              <a:t>/1.7.0</a:t>
-            </a:r>
-            <a:r>
-              <a:rPr lang="en-US" sz="2800" b="1" dirty="0">
-                <a:solidFill>
-                  <a:srgbClr val="0070C0"/>
-                </a:solidFill>
-              </a:rPr>
-              <a:t>/components/animation.html</a:t>
+              <a:t>https://aframe.io/docs/1.7.0/components/animation.html</a:t>
             </a:r>
             <a:endParaRPr lang="en-US" b="1" dirty="0">
               <a:solidFill>

--- a/p04/A-frame-moving-geometric-objects.pptx
+++ b/p04/A-frame-moving-geometric-objects.pptx
@@ -221,7 +221,7 @@
           <a:p>
             <a:fld id="{FA1E3CD0-6E24-4AC0-945A-82AEC1490673}" type="datetimeFigureOut">
               <a:rPr lang="en-US" smtClean="0"/>
-              <a:t>5/30/2025</a:t>
+              <a:t>10/24/2025</a:t>
             </a:fld>
             <a:endParaRPr lang="en-US"/>
           </a:p>
@@ -703,7 +703,7 @@
           <a:p>
             <a:fld id="{846CE7D5-CF57-46EF-B807-FDD0502418D4}" type="datetimeFigureOut">
               <a:rPr lang="en-US" smtClean="0"/>
-              <a:t>5/30/2025</a:t>
+              <a:t>10/24/2025</a:t>
             </a:fld>
             <a:endParaRPr lang="en-US"/>
           </a:p>
@@ -873,7 +873,7 @@
           <a:p>
             <a:fld id="{846CE7D5-CF57-46EF-B807-FDD0502418D4}" type="datetimeFigureOut">
               <a:rPr lang="en-US" smtClean="0"/>
-              <a:t>5/30/2025</a:t>
+              <a:t>10/24/2025</a:t>
             </a:fld>
             <a:endParaRPr lang="en-US"/>
           </a:p>
@@ -1053,7 +1053,7 @@
           <a:p>
             <a:fld id="{846CE7D5-CF57-46EF-B807-FDD0502418D4}" type="datetimeFigureOut">
               <a:rPr lang="en-US" smtClean="0"/>
-              <a:t>5/30/2025</a:t>
+              <a:t>10/24/2025</a:t>
             </a:fld>
             <a:endParaRPr lang="en-US"/>
           </a:p>
@@ -1223,7 +1223,7 @@
           <a:p>
             <a:fld id="{846CE7D5-CF57-46EF-B807-FDD0502418D4}" type="datetimeFigureOut">
               <a:rPr lang="en-US" smtClean="0"/>
-              <a:t>5/30/2025</a:t>
+              <a:t>10/24/2025</a:t>
             </a:fld>
             <a:endParaRPr lang="en-US"/>
           </a:p>
@@ -1469,7 +1469,7 @@
           <a:p>
             <a:fld id="{846CE7D5-CF57-46EF-B807-FDD0502418D4}" type="datetimeFigureOut">
               <a:rPr lang="en-US" smtClean="0"/>
-              <a:t>5/30/2025</a:t>
+              <a:t>10/24/2025</a:t>
             </a:fld>
             <a:endParaRPr lang="en-US"/>
           </a:p>
@@ -1701,7 +1701,7 @@
           <a:p>
             <a:fld id="{846CE7D5-CF57-46EF-B807-FDD0502418D4}" type="datetimeFigureOut">
               <a:rPr lang="en-US" smtClean="0"/>
-              <a:t>5/30/2025</a:t>
+              <a:t>10/24/2025</a:t>
             </a:fld>
             <a:endParaRPr lang="en-US"/>
           </a:p>
@@ -2068,7 +2068,7 @@
           <a:p>
             <a:fld id="{846CE7D5-CF57-46EF-B807-FDD0502418D4}" type="datetimeFigureOut">
               <a:rPr lang="en-US" smtClean="0"/>
-              <a:t>5/30/2025</a:t>
+              <a:t>10/24/2025</a:t>
             </a:fld>
             <a:endParaRPr lang="en-US"/>
           </a:p>
@@ -2186,7 +2186,7 @@
           <a:p>
             <a:fld id="{846CE7D5-CF57-46EF-B807-FDD0502418D4}" type="datetimeFigureOut">
               <a:rPr lang="en-US" smtClean="0"/>
-              <a:t>5/30/2025</a:t>
+              <a:t>10/24/2025</a:t>
             </a:fld>
             <a:endParaRPr lang="en-US"/>
           </a:p>
@@ -2281,7 +2281,7 @@
           <a:p>
             <a:fld id="{846CE7D5-CF57-46EF-B807-FDD0502418D4}" type="datetimeFigureOut">
               <a:rPr lang="en-US" smtClean="0"/>
-              <a:t>5/30/2025</a:t>
+              <a:t>10/24/2025</a:t>
             </a:fld>
             <a:endParaRPr lang="en-US"/>
           </a:p>
@@ -2558,7 +2558,7 @@
           <a:p>
             <a:fld id="{846CE7D5-CF57-46EF-B807-FDD0502418D4}" type="datetimeFigureOut">
               <a:rPr lang="en-US" smtClean="0"/>
-              <a:t>5/30/2025</a:t>
+              <a:t>10/24/2025</a:t>
             </a:fld>
             <a:endParaRPr lang="en-US"/>
           </a:p>
@@ -2815,7 +2815,7 @@
           <a:p>
             <a:fld id="{846CE7D5-CF57-46EF-B807-FDD0502418D4}" type="datetimeFigureOut">
               <a:rPr lang="en-US" smtClean="0"/>
-              <a:t>5/30/2025</a:t>
+              <a:t>10/24/2025</a:t>
             </a:fld>
             <a:endParaRPr lang="en-US"/>
           </a:p>
@@ -3028,7 +3028,7 @@
           <a:p>
             <a:fld id="{846CE7D5-CF57-46EF-B807-FDD0502418D4}" type="datetimeFigureOut">
               <a:rPr lang="en-US" smtClean="0"/>
-              <a:t>5/30/2025</a:t>
+              <a:t>10/24/2025</a:t>
             </a:fld>
             <a:endParaRPr lang="en-US"/>
           </a:p>
